--- a/doc/Vinu_Xavier_16MPD0024_Status_01.pptx
+++ b/doc/Vinu_Xavier_16MPD0024_Status_01.pptx
@@ -8,6 +8,9 @@
     <p:sldId id="256" r:id="rId2"/>
     <p:sldId id="257" r:id="rId3"/>
     <p:sldId id="258" r:id="rId4"/>
+    <p:sldId id="259" r:id="rId5"/>
+    <p:sldId id="261" r:id="rId6"/>
+    <p:sldId id="260" r:id="rId7"/>
   </p:sldIdLst>
   <p:sldSz cx="12192000" cy="6858000"/>
   <p:notesSz cx="6858000" cy="9144000"/>
@@ -360,7 +363,7 @@
             <a:fld id="{B61BEF0D-F0BB-DE4B-95CE-6DB70DBA9567}" type="datetimeFigureOut">
               <a:rPr lang="en-US" dirty="0"/>
               <a:pPr/>
-              <a:t>10/8/2017</a:t>
+              <a:t>10/5/2018</a:t>
             </a:fld>
             <a:endParaRPr lang="en-US" dirty="0"/>
           </a:p>
@@ -619,7 +622,7 @@
             <a:fld id="{B61BEF0D-F0BB-DE4B-95CE-6DB70DBA9567}" type="datetimeFigureOut">
               <a:rPr lang="en-US" dirty="0"/>
               <a:pPr/>
-              <a:t>10/8/2017</a:t>
+              <a:t>10/5/2018</a:t>
             </a:fld>
             <a:endParaRPr lang="en-US" dirty="0"/>
           </a:p>
@@ -851,7 +854,7 @@
             <a:fld id="{B61BEF0D-F0BB-DE4B-95CE-6DB70DBA9567}" type="datetimeFigureOut">
               <a:rPr lang="en-US" dirty="0"/>
               <a:pPr/>
-              <a:t>10/8/2017</a:t>
+              <a:t>10/5/2018</a:t>
             </a:fld>
             <a:endParaRPr lang="en-US" dirty="0"/>
           </a:p>
@@ -1088,7 +1091,7 @@
             <a:fld id="{B61BEF0D-F0BB-DE4B-95CE-6DB70DBA9567}" type="datetimeFigureOut">
               <a:rPr lang="en-US" dirty="0"/>
               <a:pPr/>
-              <a:t>10/8/2017</a:t>
+              <a:t>10/5/2018</a:t>
             </a:fld>
             <a:endParaRPr lang="en-US" dirty="0"/>
           </a:p>
@@ -1396,7 +1399,7 @@
             <a:fld id="{B61BEF0D-F0BB-DE4B-95CE-6DB70DBA9567}" type="datetimeFigureOut">
               <a:rPr lang="en-US" dirty="0"/>
               <a:pPr/>
-              <a:t>10/8/2017</a:t>
+              <a:t>10/5/2018</a:t>
             </a:fld>
             <a:endParaRPr lang="en-US" dirty="0"/>
           </a:p>
@@ -1695,7 +1698,7 @@
             <a:fld id="{B61BEF0D-F0BB-DE4B-95CE-6DB70DBA9567}" type="datetimeFigureOut">
               <a:rPr lang="en-US" dirty="0"/>
               <a:pPr/>
-              <a:t>10/8/2017</a:t>
+              <a:t>10/5/2018</a:t>
             </a:fld>
             <a:endParaRPr lang="en-US" dirty="0"/>
           </a:p>
@@ -2114,7 +2117,7 @@
             <a:fld id="{B61BEF0D-F0BB-DE4B-95CE-6DB70DBA9567}" type="datetimeFigureOut">
               <a:rPr lang="en-US" dirty="0"/>
               <a:pPr/>
-              <a:t>10/8/2017</a:t>
+              <a:t>10/5/2018</a:t>
             </a:fld>
             <a:endParaRPr lang="en-US" dirty="0"/>
           </a:p>
@@ -2273,7 +2276,7 @@
             <a:fld id="{B61BEF0D-F0BB-DE4B-95CE-6DB70DBA9567}" type="datetimeFigureOut">
               <a:rPr lang="en-US" dirty="0"/>
               <a:pPr/>
-              <a:t>10/8/2017</a:t>
+              <a:t>10/5/2018</a:t>
             </a:fld>
             <a:endParaRPr lang="en-US" dirty="0"/>
           </a:p>
@@ -2369,7 +2372,7 @@
             <a:fld id="{B61BEF0D-F0BB-DE4B-95CE-6DB70DBA9567}" type="datetimeFigureOut">
               <a:rPr lang="en-US" dirty="0"/>
               <a:pPr/>
-              <a:t>10/8/2017</a:t>
+              <a:t>10/5/2018</a:t>
             </a:fld>
             <a:endParaRPr lang="en-US" dirty="0"/>
           </a:p>
@@ -2744,7 +2747,7 @@
             <a:fld id="{B61BEF0D-F0BB-DE4B-95CE-6DB70DBA9567}" type="datetimeFigureOut">
               <a:rPr lang="en-US" dirty="0"/>
               <a:pPr/>
-              <a:t>10/8/2017</a:t>
+              <a:t>10/5/2018</a:t>
             </a:fld>
             <a:endParaRPr lang="en-US" dirty="0"/>
           </a:p>
@@ -3030,7 +3033,7 @@
             <a:fld id="{B61BEF0D-F0BB-DE4B-95CE-6DB70DBA9567}" type="datetimeFigureOut">
               <a:rPr lang="en-US" dirty="0"/>
               <a:pPr/>
-              <a:t>10/8/2017</a:t>
+              <a:t>10/5/2018</a:t>
             </a:fld>
             <a:endParaRPr lang="en-US" dirty="0"/>
           </a:p>
@@ -3238,7 +3241,7 @@
             <a:fld id="{B61BEF0D-F0BB-DE4B-95CE-6DB70DBA9567}" type="datetimeFigureOut">
               <a:rPr lang="en-US" dirty="0"/>
               <a:pPr/>
-              <a:t>10/8/2017</a:t>
+              <a:t>10/5/2018</a:t>
             </a:fld>
             <a:endParaRPr lang="en-US" dirty="0"/>
           </a:p>
@@ -3895,13 +3898,7 @@
               <a:rPr lang="en-US" dirty="0" smtClean="0">
                 <a:latin typeface="Calibri" panose="020F0502020204030204" pitchFamily="34" charset="0"/>
               </a:rPr>
-              <a:t>MINI PROJECT– </a:t>
-            </a:r>
-            <a:r>
-              <a:rPr lang="en-US" dirty="0" smtClean="0">
-                <a:latin typeface="Calibri" panose="020F0502020204030204" pitchFamily="34" charset="0"/>
-              </a:rPr>
-              <a:t>MCO5102</a:t>
+              <a:t>MINI PROJECT– MCO5102</a:t>
             </a:r>
             <a:endParaRPr lang="en-US" dirty="0">
               <a:latin typeface="Calibri" panose="020F0502020204030204" pitchFamily="34" charset="0"/>
@@ -4179,27 +4176,8 @@
                 </a:solidFill>
                 <a:latin typeface="Calibri" panose="020F0502020204030204" pitchFamily="34" charset="0"/>
               </a:rPr>
-              <a:t> </a:t>
-            </a:r>
-            <a:r>
-              <a:rPr lang="en-US" dirty="0" smtClean="0">
-                <a:solidFill>
-                  <a:schemeClr val="bg1">
-                    <a:lumMod val="75000"/>
-                  </a:schemeClr>
-                </a:solidFill>
-                <a:latin typeface="Calibri" panose="020F0502020204030204" pitchFamily="34" charset="0"/>
-              </a:rPr>
-              <a:t>Xavier, MUHAMMADALI K P</a:t>
-            </a:r>
-            <a:endParaRPr lang="en-US" dirty="0" smtClean="0">
-              <a:solidFill>
-                <a:schemeClr val="bg1">
-                  <a:lumMod val="75000"/>
-                </a:schemeClr>
-              </a:solidFill>
-              <a:latin typeface="Calibri" panose="020F0502020204030204" pitchFamily="34" charset="0"/>
-            </a:endParaRPr>
+              <a:t> Xavier, MUHAMMADALI K P</a:t>
+            </a:r>
           </a:p>
           <a:p>
             <a:pPr algn="r"/>
@@ -5199,6 +5177,958 @@
       </p:par>
     </p:tnLst>
   </p:timing>
+</p:sld>
+</file>
+
+<file path=ppt/slides/slide4.xml><?xml version="1.0" encoding="utf-8"?>
+<p:sld xmlns:a="http://schemas.openxmlformats.org/drawingml/2006/main" xmlns:r="http://schemas.openxmlformats.org/officeDocument/2006/relationships" xmlns:p="http://schemas.openxmlformats.org/presentationml/2006/main">
+  <p:cSld>
+    <p:spTree>
+      <p:nvGrpSpPr>
+        <p:cNvPr id="1" name=""/>
+        <p:cNvGrpSpPr/>
+        <p:nvPr/>
+      </p:nvGrpSpPr>
+      <p:grpSpPr>
+        <a:xfrm>
+          <a:off x="0" y="0"/>
+          <a:ext cx="0" cy="0"/>
+          <a:chOff x="0" y="0"/>
+          <a:chExt cx="0" cy="0"/>
+        </a:xfrm>
+      </p:grpSpPr>
+      <p:sp>
+        <p:nvSpPr>
+          <p:cNvPr id="2" name="Title 1"/>
+          <p:cNvSpPr>
+            <a:spLocks noGrp="1"/>
+          </p:cNvSpPr>
+          <p:nvPr>
+            <p:ph type="title"/>
+          </p:nvPr>
+        </p:nvSpPr>
+        <p:spPr/>
+        <p:txBody>
+          <a:bodyPr/>
+          <a:lstStyle/>
+          <a:p>
+            <a:endParaRPr lang="en-US"/>
+          </a:p>
+        </p:txBody>
+      </p:sp>
+      <p:grpSp>
+        <p:nvGrpSpPr>
+          <p:cNvPr id="14" name="Group 13"/>
+          <p:cNvGrpSpPr/>
+          <p:nvPr/>
+        </p:nvGrpSpPr>
+        <p:grpSpPr>
+          <a:xfrm>
+            <a:off x="2850292" y="1581665"/>
+            <a:ext cx="2660822" cy="4975654"/>
+            <a:chOff x="2850292" y="1581665"/>
+            <a:chExt cx="2660822" cy="4975654"/>
+          </a:xfrm>
+        </p:grpSpPr>
+        <p:sp>
+          <p:nvSpPr>
+            <p:cNvPr id="4" name="Rectangle 3"/>
+            <p:cNvSpPr/>
+            <p:nvPr/>
+          </p:nvSpPr>
+          <p:spPr>
+            <a:xfrm>
+              <a:off x="2850292" y="1581665"/>
+              <a:ext cx="2660822" cy="4975654"/>
+            </a:xfrm>
+            <a:prstGeom prst="rect">
+              <a:avLst/>
+            </a:prstGeom>
+          </p:spPr>
+          <p:style>
+            <a:lnRef idx="2">
+              <a:schemeClr val="dk1">
+                <a:shade val="50000"/>
+              </a:schemeClr>
+            </a:lnRef>
+            <a:fillRef idx="1">
+              <a:schemeClr val="dk1"/>
+            </a:fillRef>
+            <a:effectRef idx="0">
+              <a:schemeClr val="dk1"/>
+            </a:effectRef>
+            <a:fontRef idx="minor">
+              <a:schemeClr val="lt1"/>
+            </a:fontRef>
+          </p:style>
+          <p:txBody>
+            <a:bodyPr rtlCol="0" anchor="ctr"/>
+            <a:lstStyle/>
+            <a:p>
+              <a:pPr algn="ctr"/>
+              <a:endParaRPr lang="en-US"/>
+            </a:p>
+          </p:txBody>
+        </p:sp>
+        <p:cxnSp>
+          <p:nvCxnSpPr>
+            <p:cNvPr id="6" name="Straight Connector 5"/>
+            <p:cNvCxnSpPr/>
+            <p:nvPr/>
+          </p:nvCxnSpPr>
+          <p:spPr>
+            <a:xfrm>
+              <a:off x="2940908" y="1581665"/>
+              <a:ext cx="8238" cy="4975654"/>
+            </a:xfrm>
+            <a:prstGeom prst="line">
+              <a:avLst/>
+            </a:prstGeom>
+          </p:spPr>
+          <p:style>
+            <a:lnRef idx="3">
+              <a:schemeClr val="accent3"/>
+            </a:lnRef>
+            <a:fillRef idx="0">
+              <a:schemeClr val="accent3"/>
+            </a:fillRef>
+            <a:effectRef idx="2">
+              <a:schemeClr val="accent3"/>
+            </a:effectRef>
+            <a:fontRef idx="minor">
+              <a:schemeClr val="tx1"/>
+            </a:fontRef>
+          </p:style>
+        </p:cxnSp>
+        <p:cxnSp>
+          <p:nvCxnSpPr>
+            <p:cNvPr id="7" name="Straight Connector 6"/>
+            <p:cNvCxnSpPr/>
+            <p:nvPr/>
+          </p:nvCxnSpPr>
+          <p:spPr>
+            <a:xfrm>
+              <a:off x="5424616" y="1581665"/>
+              <a:ext cx="8238" cy="4975654"/>
+            </a:xfrm>
+            <a:prstGeom prst="line">
+              <a:avLst/>
+            </a:prstGeom>
+          </p:spPr>
+          <p:style>
+            <a:lnRef idx="3">
+              <a:schemeClr val="accent3"/>
+            </a:lnRef>
+            <a:fillRef idx="0">
+              <a:schemeClr val="accent3"/>
+            </a:fillRef>
+            <a:effectRef idx="2">
+              <a:schemeClr val="accent3"/>
+            </a:effectRef>
+            <a:fontRef idx="minor">
+              <a:schemeClr val="tx1"/>
+            </a:fontRef>
+          </p:style>
+        </p:cxnSp>
+        <p:cxnSp>
+          <p:nvCxnSpPr>
+            <p:cNvPr id="8" name="Straight Connector 7"/>
+            <p:cNvCxnSpPr/>
+            <p:nvPr/>
+          </p:nvCxnSpPr>
+          <p:spPr>
+            <a:xfrm>
+              <a:off x="4180703" y="1581665"/>
+              <a:ext cx="8238" cy="4975654"/>
+            </a:xfrm>
+            <a:prstGeom prst="line">
+              <a:avLst/>
+            </a:prstGeom>
+            <a:ln>
+              <a:prstDash val="dash"/>
+            </a:ln>
+          </p:spPr>
+          <p:style>
+            <a:lnRef idx="3">
+              <a:schemeClr val="accent3"/>
+            </a:lnRef>
+            <a:fillRef idx="0">
+              <a:schemeClr val="accent3"/>
+            </a:fillRef>
+            <a:effectRef idx="2">
+              <a:schemeClr val="accent3"/>
+            </a:effectRef>
+            <a:fontRef idx="minor">
+              <a:schemeClr val="tx1"/>
+            </a:fontRef>
+          </p:style>
+        </p:cxnSp>
+        <p:sp>
+          <p:nvSpPr>
+            <p:cNvPr id="12" name="Freeform 11"/>
+            <p:cNvSpPr/>
+            <p:nvPr/>
+          </p:nvSpPr>
+          <p:spPr>
+            <a:xfrm>
+              <a:off x="3136214" y="1647569"/>
+              <a:ext cx="310966" cy="4629662"/>
+            </a:xfrm>
+            <a:custGeom>
+              <a:avLst/>
+              <a:gdLst>
+                <a:gd name="connsiteX0" fmla="*/ 288911 w 288911"/>
+                <a:gd name="connsiteY0" fmla="*/ 4052175 h 4052175"/>
+                <a:gd name="connsiteX1" fmla="*/ 586 w 288911"/>
+                <a:gd name="connsiteY1" fmla="*/ 674662 h 4052175"/>
+                <a:gd name="connsiteX2" fmla="*/ 214770 w 288911"/>
+                <a:gd name="connsiteY2" fmla="*/ 56824 h 4052175"/>
+                <a:gd name="connsiteX3" fmla="*/ 239484 w 288911"/>
+                <a:gd name="connsiteY3" fmla="*/ 65062 h 4052175"/>
+              </a:gdLst>
+              <a:ahLst/>
+              <a:cxnLst>
+                <a:cxn ang="0">
+                  <a:pos x="connsiteX0" y="connsiteY0"/>
+                </a:cxn>
+                <a:cxn ang="0">
+                  <a:pos x="connsiteX1" y="connsiteY1"/>
+                </a:cxn>
+                <a:cxn ang="0">
+                  <a:pos x="connsiteX2" y="connsiteY2"/>
+                </a:cxn>
+                <a:cxn ang="0">
+                  <a:pos x="connsiteX3" y="connsiteY3"/>
+                </a:cxn>
+              </a:cxnLst>
+              <a:rect l="l" t="t" r="r" b="b"/>
+              <a:pathLst>
+                <a:path w="288911" h="4052175">
+                  <a:moveTo>
+                    <a:pt x="288911" y="4052175"/>
+                  </a:moveTo>
+                  <a:cubicBezTo>
+                    <a:pt x="150927" y="2696364"/>
+                    <a:pt x="12943" y="1340554"/>
+                    <a:pt x="586" y="674662"/>
+                  </a:cubicBezTo>
+                  <a:cubicBezTo>
+                    <a:pt x="-11771" y="8770"/>
+                    <a:pt x="174954" y="158424"/>
+                    <a:pt x="214770" y="56824"/>
+                  </a:cubicBezTo>
+                  <a:cubicBezTo>
+                    <a:pt x="254586" y="-44776"/>
+                    <a:pt x="247035" y="10143"/>
+                    <a:pt x="239484" y="65062"/>
+                  </a:cubicBezTo>
+                </a:path>
+              </a:pathLst>
+            </a:custGeom>
+            <a:noFill/>
+            <a:ln>
+              <a:solidFill>
+                <a:srgbClr val="FF0000"/>
+              </a:solidFill>
+            </a:ln>
+          </p:spPr>
+          <p:style>
+            <a:lnRef idx="2">
+              <a:schemeClr val="accent1">
+                <a:shade val="50000"/>
+              </a:schemeClr>
+            </a:lnRef>
+            <a:fillRef idx="1">
+              <a:schemeClr val="accent1"/>
+            </a:fillRef>
+            <a:effectRef idx="0">
+              <a:schemeClr val="accent1"/>
+            </a:effectRef>
+            <a:fontRef idx="minor">
+              <a:schemeClr val="lt1"/>
+            </a:fontRef>
+          </p:style>
+          <p:txBody>
+            <a:bodyPr rtlCol="0" anchor="ctr"/>
+            <a:lstStyle/>
+            <a:p>
+              <a:pPr algn="ctr"/>
+              <a:endParaRPr lang="en-US"/>
+            </a:p>
+          </p:txBody>
+        </p:sp>
+        <p:pic>
+          <p:nvPicPr>
+            <p:cNvPr id="15" name="Picture 4" descr="Image result for car top view"/>
+            <p:cNvPicPr>
+              <a:picLocks noChangeAspect="1" noChangeArrowheads="1"/>
+            </p:cNvPicPr>
+            <p:nvPr/>
+          </p:nvPicPr>
+          <p:blipFill>
+            <a:blip r:embed="rId2">
+              <a:extLst>
+                <a:ext uri="{28A0092B-C50C-407E-A947-70E740481C1C}">
+                  <a14:useLocalDpi xmlns:a14="http://schemas.microsoft.com/office/drawing/2010/main" val="0"/>
+                </a:ext>
+              </a:extLst>
+            </a:blip>
+            <a:srcRect/>
+            <a:stretch>
+              <a:fillRect/>
+            </a:stretch>
+          </p:blipFill>
+          <p:spPr bwMode="auto">
+            <a:xfrm rot="5238411">
+              <a:off x="2779765" y="5513818"/>
+              <a:ext cx="1336932" cy="717816"/>
+            </a:xfrm>
+            <a:prstGeom prst="rect">
+              <a:avLst/>
+            </a:prstGeom>
+            <a:noFill/>
+            <a:extLst>
+              <a:ext uri="{909E8E84-426E-40DD-AFC4-6F175D3DCCD1}">
+                <a14:hiddenFill xmlns:a14="http://schemas.microsoft.com/office/drawing/2010/main">
+                  <a:solidFill>
+                    <a:srgbClr val="FFFFFF"/>
+                  </a:solidFill>
+                </a14:hiddenFill>
+              </a:ext>
+            </a:extLst>
+          </p:spPr>
+        </p:pic>
+      </p:grpSp>
+    </p:spTree>
+    <p:extLst>
+      <p:ext uri="{BB962C8B-B14F-4D97-AF65-F5344CB8AC3E}">
+        <p14:creationId xmlns:p14="http://schemas.microsoft.com/office/powerpoint/2010/main" val="705635641"/>
+      </p:ext>
+    </p:extLst>
+  </p:cSld>
+  <p:clrMapOvr>
+    <a:masterClrMapping/>
+  </p:clrMapOvr>
+</p:sld>
+</file>
+
+<file path=ppt/slides/slide5.xml><?xml version="1.0" encoding="utf-8"?>
+<p:sld xmlns:a="http://schemas.openxmlformats.org/drawingml/2006/main" xmlns:r="http://schemas.openxmlformats.org/officeDocument/2006/relationships" xmlns:p="http://schemas.openxmlformats.org/presentationml/2006/main">
+  <p:cSld>
+    <p:spTree>
+      <p:nvGrpSpPr>
+        <p:cNvPr id="1" name=""/>
+        <p:cNvGrpSpPr/>
+        <p:nvPr/>
+      </p:nvGrpSpPr>
+      <p:grpSpPr>
+        <a:xfrm>
+          <a:off x="0" y="0"/>
+          <a:ext cx="0" cy="0"/>
+          <a:chOff x="0" y="0"/>
+          <a:chExt cx="0" cy="0"/>
+        </a:xfrm>
+      </p:grpSpPr>
+      <p:sp>
+        <p:nvSpPr>
+          <p:cNvPr id="2" name="Title 1"/>
+          <p:cNvSpPr>
+            <a:spLocks noGrp="1"/>
+          </p:cNvSpPr>
+          <p:nvPr>
+            <p:ph type="title"/>
+          </p:nvPr>
+        </p:nvSpPr>
+        <p:spPr/>
+        <p:txBody>
+          <a:bodyPr/>
+          <a:lstStyle/>
+          <a:p>
+            <a:endParaRPr lang="en-US"/>
+          </a:p>
+        </p:txBody>
+      </p:sp>
+      <p:grpSp>
+        <p:nvGrpSpPr>
+          <p:cNvPr id="5" name="Group 4"/>
+          <p:cNvGrpSpPr/>
+          <p:nvPr/>
+        </p:nvGrpSpPr>
+        <p:grpSpPr>
+          <a:xfrm>
+            <a:off x="2850292" y="1581665"/>
+            <a:ext cx="2660822" cy="4975654"/>
+            <a:chOff x="2850292" y="1581665"/>
+            <a:chExt cx="2660822" cy="4975654"/>
+          </a:xfrm>
+        </p:grpSpPr>
+        <p:grpSp>
+          <p:nvGrpSpPr>
+            <p:cNvPr id="14" name="Group 13"/>
+            <p:cNvGrpSpPr/>
+            <p:nvPr/>
+          </p:nvGrpSpPr>
+          <p:grpSpPr>
+            <a:xfrm>
+              <a:off x="2850292" y="1581665"/>
+              <a:ext cx="2660822" cy="4975654"/>
+              <a:chOff x="2850292" y="1581665"/>
+              <a:chExt cx="2660822" cy="4975654"/>
+            </a:xfrm>
+          </p:grpSpPr>
+          <p:sp>
+            <p:nvSpPr>
+              <p:cNvPr id="4" name="Rectangle 3"/>
+              <p:cNvSpPr/>
+              <p:nvPr/>
+            </p:nvSpPr>
+            <p:spPr>
+              <a:xfrm>
+                <a:off x="2850292" y="1581665"/>
+                <a:ext cx="2660822" cy="4975654"/>
+              </a:xfrm>
+              <a:prstGeom prst="rect">
+                <a:avLst/>
+              </a:prstGeom>
+            </p:spPr>
+            <p:style>
+              <a:lnRef idx="2">
+                <a:schemeClr val="dk1">
+                  <a:shade val="50000"/>
+                </a:schemeClr>
+              </a:lnRef>
+              <a:fillRef idx="1">
+                <a:schemeClr val="dk1"/>
+              </a:fillRef>
+              <a:effectRef idx="0">
+                <a:schemeClr val="dk1"/>
+              </a:effectRef>
+              <a:fontRef idx="minor">
+                <a:schemeClr val="lt1"/>
+              </a:fontRef>
+            </p:style>
+            <p:txBody>
+              <a:bodyPr rtlCol="0" anchor="ctr"/>
+              <a:lstStyle/>
+              <a:p>
+                <a:pPr algn="ctr"/>
+                <a:endParaRPr lang="en-US"/>
+              </a:p>
+            </p:txBody>
+          </p:sp>
+          <p:cxnSp>
+            <p:nvCxnSpPr>
+              <p:cNvPr id="6" name="Straight Connector 5"/>
+              <p:cNvCxnSpPr/>
+              <p:nvPr/>
+            </p:nvCxnSpPr>
+            <p:spPr>
+              <a:xfrm>
+                <a:off x="2940908" y="1581665"/>
+                <a:ext cx="8238" cy="4975654"/>
+              </a:xfrm>
+              <a:prstGeom prst="line">
+                <a:avLst/>
+              </a:prstGeom>
+            </p:spPr>
+            <p:style>
+              <a:lnRef idx="3">
+                <a:schemeClr val="accent3"/>
+              </a:lnRef>
+              <a:fillRef idx="0">
+                <a:schemeClr val="accent3"/>
+              </a:fillRef>
+              <a:effectRef idx="2">
+                <a:schemeClr val="accent3"/>
+              </a:effectRef>
+              <a:fontRef idx="minor">
+                <a:schemeClr val="tx1"/>
+              </a:fontRef>
+            </p:style>
+          </p:cxnSp>
+          <p:cxnSp>
+            <p:nvCxnSpPr>
+              <p:cNvPr id="7" name="Straight Connector 6"/>
+              <p:cNvCxnSpPr/>
+              <p:nvPr/>
+            </p:nvCxnSpPr>
+            <p:spPr>
+              <a:xfrm>
+                <a:off x="5424616" y="1581665"/>
+                <a:ext cx="8238" cy="4975654"/>
+              </a:xfrm>
+              <a:prstGeom prst="line">
+                <a:avLst/>
+              </a:prstGeom>
+            </p:spPr>
+            <p:style>
+              <a:lnRef idx="3">
+                <a:schemeClr val="accent3"/>
+              </a:lnRef>
+              <a:fillRef idx="0">
+                <a:schemeClr val="accent3"/>
+              </a:fillRef>
+              <a:effectRef idx="2">
+                <a:schemeClr val="accent3"/>
+              </a:effectRef>
+              <a:fontRef idx="minor">
+                <a:schemeClr val="tx1"/>
+              </a:fontRef>
+            </p:style>
+          </p:cxnSp>
+          <p:cxnSp>
+            <p:nvCxnSpPr>
+              <p:cNvPr id="8" name="Straight Connector 7"/>
+              <p:cNvCxnSpPr/>
+              <p:nvPr/>
+            </p:nvCxnSpPr>
+            <p:spPr>
+              <a:xfrm>
+                <a:off x="4180703" y="1581665"/>
+                <a:ext cx="8238" cy="4975654"/>
+              </a:xfrm>
+              <a:prstGeom prst="line">
+                <a:avLst/>
+              </a:prstGeom>
+              <a:ln>
+                <a:prstDash val="dash"/>
+              </a:ln>
+            </p:spPr>
+            <p:style>
+              <a:lnRef idx="3">
+                <a:schemeClr val="accent3"/>
+              </a:lnRef>
+              <a:fillRef idx="0">
+                <a:schemeClr val="accent3"/>
+              </a:fillRef>
+              <a:effectRef idx="2">
+                <a:schemeClr val="accent3"/>
+              </a:effectRef>
+              <a:fontRef idx="minor">
+                <a:schemeClr val="tx1"/>
+              </a:fontRef>
+            </p:style>
+          </p:cxnSp>
+          <p:pic>
+            <p:nvPicPr>
+              <p:cNvPr id="15" name="Picture 4" descr="Image result for car top view"/>
+              <p:cNvPicPr>
+                <a:picLocks noChangeAspect="1" noChangeArrowheads="1"/>
+              </p:cNvPicPr>
+              <p:nvPr/>
+            </p:nvPicPr>
+            <p:blipFill>
+              <a:blip r:embed="rId2">
+                <a:extLst>
+                  <a:ext uri="{28A0092B-C50C-407E-A947-70E740481C1C}">
+                    <a14:useLocalDpi xmlns:a14="http://schemas.microsoft.com/office/drawing/2010/main" val="0"/>
+                  </a:ext>
+                </a:extLst>
+              </a:blip>
+              <a:srcRect/>
+              <a:stretch>
+                <a:fillRect/>
+              </a:stretch>
+            </p:blipFill>
+            <p:spPr bwMode="auto">
+              <a:xfrm rot="5238411">
+                <a:off x="2779765" y="5513818"/>
+                <a:ext cx="1336932" cy="717816"/>
+              </a:xfrm>
+              <a:prstGeom prst="rect">
+                <a:avLst/>
+              </a:prstGeom>
+              <a:noFill/>
+              <a:extLst>
+                <a:ext uri="{909E8E84-426E-40DD-AFC4-6F175D3DCCD1}">
+                  <a14:hiddenFill xmlns:a14="http://schemas.microsoft.com/office/drawing/2010/main">
+                    <a:solidFill>
+                      <a:srgbClr val="FFFFFF"/>
+                    </a:solidFill>
+                  </a14:hiddenFill>
+                </a:ext>
+              </a:extLst>
+            </p:spPr>
+          </p:pic>
+        </p:grpSp>
+        <p:sp>
+          <p:nvSpPr>
+            <p:cNvPr id="3" name="Freeform 2"/>
+            <p:cNvSpPr/>
+            <p:nvPr/>
+          </p:nvSpPr>
+          <p:spPr>
+            <a:xfrm>
+              <a:off x="3220667" y="2578443"/>
+              <a:ext cx="505365" cy="2619633"/>
+            </a:xfrm>
+            <a:custGeom>
+              <a:avLst/>
+              <a:gdLst>
+                <a:gd name="connsiteX0" fmla="*/ 206274 w 505365"/>
+                <a:gd name="connsiteY0" fmla="*/ 2619633 h 2619633"/>
+                <a:gd name="connsiteX1" fmla="*/ 502836 w 505365"/>
+                <a:gd name="connsiteY1" fmla="*/ 2084173 h 2619633"/>
+                <a:gd name="connsiteX2" fmla="*/ 57992 w 505365"/>
+                <a:gd name="connsiteY2" fmla="*/ 1935892 h 2619633"/>
+                <a:gd name="connsiteX3" fmla="*/ 82706 w 505365"/>
+                <a:gd name="connsiteY3" fmla="*/ 1392195 h 2619633"/>
+                <a:gd name="connsiteX4" fmla="*/ 371030 w 505365"/>
+                <a:gd name="connsiteY4" fmla="*/ 1054443 h 2619633"/>
+                <a:gd name="connsiteX5" fmla="*/ 255701 w 505365"/>
+                <a:gd name="connsiteY5" fmla="*/ 741406 h 2619633"/>
+                <a:gd name="connsiteX6" fmla="*/ 33279 w 505365"/>
+                <a:gd name="connsiteY6" fmla="*/ 535460 h 2619633"/>
+                <a:gd name="connsiteX7" fmla="*/ 25041 w 505365"/>
+                <a:gd name="connsiteY7" fmla="*/ 214184 h 2619633"/>
+                <a:gd name="connsiteX8" fmla="*/ 263938 w 505365"/>
+                <a:gd name="connsiteY8" fmla="*/ 0 h 2619633"/>
+              </a:gdLst>
+              <a:ahLst/>
+              <a:cxnLst>
+                <a:cxn ang="0">
+                  <a:pos x="connsiteX0" y="connsiteY0"/>
+                </a:cxn>
+                <a:cxn ang="0">
+                  <a:pos x="connsiteX1" y="connsiteY1"/>
+                </a:cxn>
+                <a:cxn ang="0">
+                  <a:pos x="connsiteX2" y="connsiteY2"/>
+                </a:cxn>
+                <a:cxn ang="0">
+                  <a:pos x="connsiteX3" y="connsiteY3"/>
+                </a:cxn>
+                <a:cxn ang="0">
+                  <a:pos x="connsiteX4" y="connsiteY4"/>
+                </a:cxn>
+                <a:cxn ang="0">
+                  <a:pos x="connsiteX5" y="connsiteY5"/>
+                </a:cxn>
+                <a:cxn ang="0">
+                  <a:pos x="connsiteX6" y="connsiteY6"/>
+                </a:cxn>
+                <a:cxn ang="0">
+                  <a:pos x="connsiteX7" y="connsiteY7"/>
+                </a:cxn>
+                <a:cxn ang="0">
+                  <a:pos x="connsiteX8" y="connsiteY8"/>
+                </a:cxn>
+              </a:cxnLst>
+              <a:rect l="l" t="t" r="r" b="b"/>
+              <a:pathLst>
+                <a:path w="505365" h="2619633">
+                  <a:moveTo>
+                    <a:pt x="206274" y="2619633"/>
+                  </a:moveTo>
+                  <a:cubicBezTo>
+                    <a:pt x="366912" y="2408881"/>
+                    <a:pt x="527550" y="2198130"/>
+                    <a:pt x="502836" y="2084173"/>
+                  </a:cubicBezTo>
+                  <a:cubicBezTo>
+                    <a:pt x="478122" y="1970216"/>
+                    <a:pt x="128014" y="2051222"/>
+                    <a:pt x="57992" y="1935892"/>
+                  </a:cubicBezTo>
+                  <a:cubicBezTo>
+                    <a:pt x="-12030" y="1820562"/>
+                    <a:pt x="30533" y="1539103"/>
+                    <a:pt x="82706" y="1392195"/>
+                  </a:cubicBezTo>
+                  <a:cubicBezTo>
+                    <a:pt x="134879" y="1245287"/>
+                    <a:pt x="342198" y="1162908"/>
+                    <a:pt x="371030" y="1054443"/>
+                  </a:cubicBezTo>
+                  <a:cubicBezTo>
+                    <a:pt x="399862" y="945978"/>
+                    <a:pt x="311993" y="827903"/>
+                    <a:pt x="255701" y="741406"/>
+                  </a:cubicBezTo>
+                  <a:cubicBezTo>
+                    <a:pt x="199409" y="654909"/>
+                    <a:pt x="71722" y="623330"/>
+                    <a:pt x="33279" y="535460"/>
+                  </a:cubicBezTo>
+                  <a:cubicBezTo>
+                    <a:pt x="-5164" y="447590"/>
+                    <a:pt x="-13402" y="303427"/>
+                    <a:pt x="25041" y="214184"/>
+                  </a:cubicBezTo>
+                  <a:cubicBezTo>
+                    <a:pt x="63484" y="124941"/>
+                    <a:pt x="163711" y="62470"/>
+                    <a:pt x="263938" y="0"/>
+                  </a:cubicBezTo>
+                </a:path>
+              </a:pathLst>
+            </a:custGeom>
+            <a:noFill/>
+            <a:ln>
+              <a:solidFill>
+                <a:srgbClr val="FF0000"/>
+              </a:solidFill>
+            </a:ln>
+          </p:spPr>
+          <p:style>
+            <a:lnRef idx="2">
+              <a:schemeClr val="accent1">
+                <a:shade val="50000"/>
+              </a:schemeClr>
+            </a:lnRef>
+            <a:fillRef idx="1">
+              <a:schemeClr val="accent1"/>
+            </a:fillRef>
+            <a:effectRef idx="0">
+              <a:schemeClr val="accent1"/>
+            </a:effectRef>
+            <a:fontRef idx="minor">
+              <a:schemeClr val="lt1"/>
+            </a:fontRef>
+          </p:style>
+          <p:txBody>
+            <a:bodyPr rtlCol="0" anchor="ctr"/>
+            <a:lstStyle/>
+            <a:p>
+              <a:pPr algn="ctr"/>
+              <a:endParaRPr lang="en-US"/>
+            </a:p>
+          </p:txBody>
+        </p:sp>
+      </p:grpSp>
+    </p:spTree>
+    <p:extLst>
+      <p:ext uri="{BB962C8B-B14F-4D97-AF65-F5344CB8AC3E}">
+        <p14:creationId xmlns:p14="http://schemas.microsoft.com/office/powerpoint/2010/main" val="2959504225"/>
+      </p:ext>
+    </p:extLst>
+  </p:cSld>
+  <p:clrMapOvr>
+    <a:masterClrMapping/>
+  </p:clrMapOvr>
+</p:sld>
+</file>
+
+<file path=ppt/slides/slide6.xml><?xml version="1.0" encoding="utf-8"?>
+<p:sld xmlns:a="http://schemas.openxmlformats.org/drawingml/2006/main" xmlns:r="http://schemas.openxmlformats.org/officeDocument/2006/relationships" xmlns:p="http://schemas.openxmlformats.org/presentationml/2006/main">
+  <p:cSld>
+    <p:spTree>
+      <p:nvGrpSpPr>
+        <p:cNvPr id="1" name=""/>
+        <p:cNvGrpSpPr/>
+        <p:nvPr/>
+      </p:nvGrpSpPr>
+      <p:grpSpPr>
+        <a:xfrm>
+          <a:off x="0" y="0"/>
+          <a:ext cx="0" cy="0"/>
+          <a:chOff x="0" y="0"/>
+          <a:chExt cx="0" cy="0"/>
+        </a:xfrm>
+      </p:grpSpPr>
+      <p:sp>
+        <p:nvSpPr>
+          <p:cNvPr id="2" name="Title 1"/>
+          <p:cNvSpPr>
+            <a:spLocks noGrp="1"/>
+          </p:cNvSpPr>
+          <p:nvPr>
+            <p:ph type="title"/>
+          </p:nvPr>
+        </p:nvSpPr>
+        <p:spPr/>
+        <p:txBody>
+          <a:bodyPr/>
+          <a:lstStyle/>
+          <a:p>
+            <a:endParaRPr lang="en-US"/>
+          </a:p>
+        </p:txBody>
+      </p:sp>
+      <p:sp>
+        <p:nvSpPr>
+          <p:cNvPr id="4" name="Rectangle 3"/>
+          <p:cNvSpPr/>
+          <p:nvPr/>
+        </p:nvSpPr>
+        <p:spPr>
+          <a:xfrm>
+            <a:off x="2850292" y="1581665"/>
+            <a:ext cx="2660822" cy="4975654"/>
+          </a:xfrm>
+          <a:prstGeom prst="rect">
+            <a:avLst/>
+          </a:prstGeom>
+        </p:spPr>
+        <p:style>
+          <a:lnRef idx="2">
+            <a:schemeClr val="dk1">
+              <a:shade val="50000"/>
+            </a:schemeClr>
+          </a:lnRef>
+          <a:fillRef idx="1">
+            <a:schemeClr val="dk1"/>
+          </a:fillRef>
+          <a:effectRef idx="0">
+            <a:schemeClr val="dk1"/>
+          </a:effectRef>
+          <a:fontRef idx="minor">
+            <a:schemeClr val="lt1"/>
+          </a:fontRef>
+        </p:style>
+        <p:txBody>
+          <a:bodyPr rtlCol="0" anchor="ctr"/>
+          <a:lstStyle/>
+          <a:p>
+            <a:pPr algn="ctr"/>
+            <a:endParaRPr lang="en-US"/>
+          </a:p>
+        </p:txBody>
+      </p:sp>
+      <p:cxnSp>
+        <p:nvCxnSpPr>
+          <p:cNvPr id="6" name="Straight Connector 5"/>
+          <p:cNvCxnSpPr/>
+          <p:nvPr/>
+        </p:nvCxnSpPr>
+        <p:spPr>
+          <a:xfrm>
+            <a:off x="2940908" y="1581665"/>
+            <a:ext cx="8238" cy="4975654"/>
+          </a:xfrm>
+          <a:prstGeom prst="line">
+            <a:avLst/>
+          </a:prstGeom>
+        </p:spPr>
+        <p:style>
+          <a:lnRef idx="3">
+            <a:schemeClr val="accent3"/>
+          </a:lnRef>
+          <a:fillRef idx="0">
+            <a:schemeClr val="accent3"/>
+          </a:fillRef>
+          <a:effectRef idx="2">
+            <a:schemeClr val="accent3"/>
+          </a:effectRef>
+          <a:fontRef idx="minor">
+            <a:schemeClr val="tx1"/>
+          </a:fontRef>
+        </p:style>
+      </p:cxnSp>
+      <p:cxnSp>
+        <p:nvCxnSpPr>
+          <p:cNvPr id="7" name="Straight Connector 6"/>
+          <p:cNvCxnSpPr/>
+          <p:nvPr/>
+        </p:nvCxnSpPr>
+        <p:spPr>
+          <a:xfrm>
+            <a:off x="5424616" y="1581665"/>
+            <a:ext cx="8238" cy="4975654"/>
+          </a:xfrm>
+          <a:prstGeom prst="line">
+            <a:avLst/>
+          </a:prstGeom>
+        </p:spPr>
+        <p:style>
+          <a:lnRef idx="3">
+            <a:schemeClr val="accent3"/>
+          </a:lnRef>
+          <a:fillRef idx="0">
+            <a:schemeClr val="accent3"/>
+          </a:fillRef>
+          <a:effectRef idx="2">
+            <a:schemeClr val="accent3"/>
+          </a:effectRef>
+          <a:fontRef idx="minor">
+            <a:schemeClr val="tx1"/>
+          </a:fontRef>
+        </p:style>
+      </p:cxnSp>
+      <p:cxnSp>
+        <p:nvCxnSpPr>
+          <p:cNvPr id="8" name="Straight Connector 7"/>
+          <p:cNvCxnSpPr/>
+          <p:nvPr/>
+        </p:nvCxnSpPr>
+        <p:spPr>
+          <a:xfrm>
+            <a:off x="4180703" y="1581665"/>
+            <a:ext cx="8238" cy="4975654"/>
+          </a:xfrm>
+          <a:prstGeom prst="line">
+            <a:avLst/>
+          </a:prstGeom>
+          <a:ln>
+            <a:prstDash val="dash"/>
+          </a:ln>
+        </p:spPr>
+        <p:style>
+          <a:lnRef idx="3">
+            <a:schemeClr val="accent3"/>
+          </a:lnRef>
+          <a:fillRef idx="0">
+            <a:schemeClr val="accent3"/>
+          </a:fillRef>
+          <a:effectRef idx="2">
+            <a:schemeClr val="accent3"/>
+          </a:effectRef>
+          <a:fontRef idx="minor">
+            <a:schemeClr val="tx1"/>
+          </a:fontRef>
+        </p:style>
+      </p:cxnSp>
+      <p:pic>
+        <p:nvPicPr>
+          <p:cNvPr id="1028" name="Picture 4" descr="Image result for car top view"/>
+          <p:cNvPicPr>
+            <a:picLocks noChangeAspect="1" noChangeArrowheads="1"/>
+          </p:cNvPicPr>
+          <p:nvPr/>
+        </p:nvPicPr>
+        <p:blipFill>
+          <a:blip r:embed="rId2">
+            <a:extLst>
+              <a:ext uri="{28A0092B-C50C-407E-A947-70E740481C1C}">
+                <a14:useLocalDpi xmlns:a14="http://schemas.microsoft.com/office/drawing/2010/main" val="0"/>
+              </a:ext>
+            </a:extLst>
+          </a:blip>
+          <a:srcRect/>
+          <a:stretch>
+            <a:fillRect/>
+          </a:stretch>
+        </p:blipFill>
+        <p:spPr bwMode="auto">
+          <a:xfrm rot="5238411">
+            <a:off x="2894401" y="5398779"/>
+            <a:ext cx="1336932" cy="717816"/>
+          </a:xfrm>
+          <a:prstGeom prst="rect">
+            <a:avLst/>
+          </a:prstGeom>
+          <a:noFill/>
+          <a:extLst>
+            <a:ext uri="{909E8E84-426E-40DD-AFC4-6F175D3DCCD1}">
+              <a14:hiddenFill xmlns:a14="http://schemas.microsoft.com/office/drawing/2010/main">
+                <a:solidFill>
+                  <a:srgbClr val="FFFFFF"/>
+                </a:solidFill>
+              </a14:hiddenFill>
+            </a:ext>
+          </a:extLst>
+        </p:spPr>
+      </p:pic>
+    </p:spTree>
+    <p:extLst>
+      <p:ext uri="{BB962C8B-B14F-4D97-AF65-F5344CB8AC3E}">
+        <p14:creationId xmlns:p14="http://schemas.microsoft.com/office/powerpoint/2010/main" val="489819152"/>
+      </p:ext>
+    </p:extLst>
+  </p:cSld>
+  <p:clrMapOvr>
+    <a:masterClrMapping/>
+  </p:clrMapOvr>
 </p:sld>
 </file>
 

--- a/doc/Vinu_Xavier_16MPD0024_Status_01.pptx
+++ b/doc/Vinu_Xavier_16MPD0024_Status_01.pptx
@@ -10,7 +10,10 @@
     <p:sldId id="258" r:id="rId4"/>
     <p:sldId id="259" r:id="rId5"/>
     <p:sldId id="261" r:id="rId6"/>
-    <p:sldId id="260" r:id="rId7"/>
+    <p:sldId id="262" r:id="rId7"/>
+    <p:sldId id="263" r:id="rId8"/>
+    <p:sldId id="260" r:id="rId9"/>
+    <p:sldId id="264" r:id="rId10"/>
   </p:sldIdLst>
   <p:sldSz cx="12192000" cy="6858000"/>
   <p:notesSz cx="6858000" cy="9144000"/>
@@ -5945,142 +5948,1453 @@
           </a:p>
         </p:txBody>
       </p:sp>
-      <p:sp>
-        <p:nvSpPr>
-          <p:cNvPr id="4" name="Rectangle 3"/>
-          <p:cNvSpPr/>
+      <p:grpSp>
+        <p:nvGrpSpPr>
+          <p:cNvPr id="5" name="Group 4"/>
+          <p:cNvGrpSpPr/>
           <p:nvPr/>
-        </p:nvSpPr>
-        <p:spPr>
+        </p:nvGrpSpPr>
+        <p:grpSpPr>
           <a:xfrm>
             <a:off x="2850292" y="1581665"/>
             <a:ext cx="2660822" cy="4975654"/>
+            <a:chOff x="2850292" y="1581665"/>
+            <a:chExt cx="2660822" cy="4975654"/>
           </a:xfrm>
-          <a:prstGeom prst="rect">
-            <a:avLst/>
-          </a:prstGeom>
-        </p:spPr>
-        <p:style>
-          <a:lnRef idx="2">
-            <a:schemeClr val="dk1">
-              <a:shade val="50000"/>
-            </a:schemeClr>
-          </a:lnRef>
-          <a:fillRef idx="1">
-            <a:schemeClr val="dk1"/>
-          </a:fillRef>
-          <a:effectRef idx="0">
-            <a:schemeClr val="dk1"/>
-          </a:effectRef>
-          <a:fontRef idx="minor">
-            <a:schemeClr val="lt1"/>
-          </a:fontRef>
-        </p:style>
-        <p:txBody>
-          <a:bodyPr rtlCol="0" anchor="ctr"/>
+        </p:grpSpPr>
+        <p:grpSp>
+          <p:nvGrpSpPr>
+            <p:cNvPr id="14" name="Group 13"/>
+            <p:cNvGrpSpPr/>
+            <p:nvPr/>
+          </p:nvGrpSpPr>
+          <p:grpSpPr>
+            <a:xfrm>
+              <a:off x="2850292" y="1581665"/>
+              <a:ext cx="2660822" cy="4975654"/>
+              <a:chOff x="2850292" y="1581665"/>
+              <a:chExt cx="2660822" cy="4975654"/>
+            </a:xfrm>
+          </p:grpSpPr>
+          <p:sp>
+            <p:nvSpPr>
+              <p:cNvPr id="4" name="Rectangle 3"/>
+              <p:cNvSpPr/>
+              <p:nvPr/>
+            </p:nvSpPr>
+            <p:spPr>
+              <a:xfrm>
+                <a:off x="2850292" y="1581665"/>
+                <a:ext cx="2660822" cy="4975654"/>
+              </a:xfrm>
+              <a:prstGeom prst="rect">
+                <a:avLst/>
+              </a:prstGeom>
+            </p:spPr>
+            <p:style>
+              <a:lnRef idx="2">
+                <a:schemeClr val="dk1">
+                  <a:shade val="50000"/>
+                </a:schemeClr>
+              </a:lnRef>
+              <a:fillRef idx="1">
+                <a:schemeClr val="dk1"/>
+              </a:fillRef>
+              <a:effectRef idx="0">
+                <a:schemeClr val="dk1"/>
+              </a:effectRef>
+              <a:fontRef idx="minor">
+                <a:schemeClr val="lt1"/>
+              </a:fontRef>
+            </p:style>
+            <p:txBody>
+              <a:bodyPr rtlCol="0" anchor="ctr"/>
+              <a:lstStyle/>
+              <a:p>
+                <a:pPr algn="ctr"/>
+                <a:endParaRPr lang="en-US"/>
+              </a:p>
+            </p:txBody>
+          </p:sp>
+          <p:cxnSp>
+            <p:nvCxnSpPr>
+              <p:cNvPr id="6" name="Straight Connector 5"/>
+              <p:cNvCxnSpPr/>
+              <p:nvPr/>
+            </p:nvCxnSpPr>
+            <p:spPr>
+              <a:xfrm>
+                <a:off x="2940908" y="1581665"/>
+                <a:ext cx="8238" cy="4975654"/>
+              </a:xfrm>
+              <a:prstGeom prst="line">
+                <a:avLst/>
+              </a:prstGeom>
+            </p:spPr>
+            <p:style>
+              <a:lnRef idx="3">
+                <a:schemeClr val="accent3"/>
+              </a:lnRef>
+              <a:fillRef idx="0">
+                <a:schemeClr val="accent3"/>
+              </a:fillRef>
+              <a:effectRef idx="2">
+                <a:schemeClr val="accent3"/>
+              </a:effectRef>
+              <a:fontRef idx="minor">
+                <a:schemeClr val="tx1"/>
+              </a:fontRef>
+            </p:style>
+          </p:cxnSp>
+          <p:cxnSp>
+            <p:nvCxnSpPr>
+              <p:cNvPr id="7" name="Straight Connector 6"/>
+              <p:cNvCxnSpPr/>
+              <p:nvPr/>
+            </p:nvCxnSpPr>
+            <p:spPr>
+              <a:xfrm>
+                <a:off x="5424616" y="1581665"/>
+                <a:ext cx="8238" cy="4975654"/>
+              </a:xfrm>
+              <a:prstGeom prst="line">
+                <a:avLst/>
+              </a:prstGeom>
+            </p:spPr>
+            <p:style>
+              <a:lnRef idx="3">
+                <a:schemeClr val="accent3"/>
+              </a:lnRef>
+              <a:fillRef idx="0">
+                <a:schemeClr val="accent3"/>
+              </a:fillRef>
+              <a:effectRef idx="2">
+                <a:schemeClr val="accent3"/>
+              </a:effectRef>
+              <a:fontRef idx="minor">
+                <a:schemeClr val="tx1"/>
+              </a:fontRef>
+            </p:style>
+          </p:cxnSp>
+          <p:cxnSp>
+            <p:nvCxnSpPr>
+              <p:cNvPr id="8" name="Straight Connector 7"/>
+              <p:cNvCxnSpPr/>
+              <p:nvPr/>
+            </p:nvCxnSpPr>
+            <p:spPr>
+              <a:xfrm>
+                <a:off x="4180703" y="1581665"/>
+                <a:ext cx="8238" cy="4975654"/>
+              </a:xfrm>
+              <a:prstGeom prst="line">
+                <a:avLst/>
+              </a:prstGeom>
+              <a:ln>
+                <a:prstDash val="dash"/>
+              </a:ln>
+            </p:spPr>
+            <p:style>
+              <a:lnRef idx="3">
+                <a:schemeClr val="accent3"/>
+              </a:lnRef>
+              <a:fillRef idx="0">
+                <a:schemeClr val="accent3"/>
+              </a:fillRef>
+              <a:effectRef idx="2">
+                <a:schemeClr val="accent3"/>
+              </a:effectRef>
+              <a:fontRef idx="minor">
+                <a:schemeClr val="tx1"/>
+              </a:fontRef>
+            </p:style>
+          </p:cxnSp>
+          <p:pic>
+            <p:nvPicPr>
+              <p:cNvPr id="15" name="Picture 4" descr="Image result for car top view"/>
+              <p:cNvPicPr>
+                <a:picLocks noChangeAspect="1" noChangeArrowheads="1"/>
+              </p:cNvPicPr>
+              <p:nvPr/>
+            </p:nvPicPr>
+            <p:blipFill>
+              <a:blip r:embed="rId2">
+                <a:extLst>
+                  <a:ext uri="{28A0092B-C50C-407E-A947-70E740481C1C}">
+                    <a14:useLocalDpi xmlns:a14="http://schemas.microsoft.com/office/drawing/2010/main" val="0"/>
+                  </a:ext>
+                </a:extLst>
+              </a:blip>
+              <a:srcRect/>
+              <a:stretch>
+                <a:fillRect/>
+              </a:stretch>
+            </p:blipFill>
+            <p:spPr bwMode="auto">
+              <a:xfrm rot="5238411">
+                <a:off x="2779765" y="5513818"/>
+                <a:ext cx="1336932" cy="717816"/>
+              </a:xfrm>
+              <a:prstGeom prst="rect">
+                <a:avLst/>
+              </a:prstGeom>
+              <a:noFill/>
+              <a:extLst>
+                <a:ext uri="{909E8E84-426E-40DD-AFC4-6F175D3DCCD1}">
+                  <a14:hiddenFill xmlns:a14="http://schemas.microsoft.com/office/drawing/2010/main">
+                    <a:solidFill>
+                      <a:srgbClr val="FFFFFF"/>
+                    </a:solidFill>
+                  </a14:hiddenFill>
+                </a:ext>
+              </a:extLst>
+            </p:spPr>
+          </p:pic>
+        </p:grpSp>
+        <p:sp>
+          <p:nvSpPr>
+            <p:cNvPr id="3" name="Freeform 2"/>
+            <p:cNvSpPr/>
+            <p:nvPr/>
+          </p:nvSpPr>
+          <p:spPr>
+            <a:xfrm>
+              <a:off x="3220667" y="2578443"/>
+              <a:ext cx="505365" cy="2619633"/>
+            </a:xfrm>
+            <a:custGeom>
+              <a:avLst/>
+              <a:gdLst>
+                <a:gd name="connsiteX0" fmla="*/ 206274 w 505365"/>
+                <a:gd name="connsiteY0" fmla="*/ 2619633 h 2619633"/>
+                <a:gd name="connsiteX1" fmla="*/ 502836 w 505365"/>
+                <a:gd name="connsiteY1" fmla="*/ 2084173 h 2619633"/>
+                <a:gd name="connsiteX2" fmla="*/ 57992 w 505365"/>
+                <a:gd name="connsiteY2" fmla="*/ 1935892 h 2619633"/>
+                <a:gd name="connsiteX3" fmla="*/ 82706 w 505365"/>
+                <a:gd name="connsiteY3" fmla="*/ 1392195 h 2619633"/>
+                <a:gd name="connsiteX4" fmla="*/ 371030 w 505365"/>
+                <a:gd name="connsiteY4" fmla="*/ 1054443 h 2619633"/>
+                <a:gd name="connsiteX5" fmla="*/ 255701 w 505365"/>
+                <a:gd name="connsiteY5" fmla="*/ 741406 h 2619633"/>
+                <a:gd name="connsiteX6" fmla="*/ 33279 w 505365"/>
+                <a:gd name="connsiteY6" fmla="*/ 535460 h 2619633"/>
+                <a:gd name="connsiteX7" fmla="*/ 25041 w 505365"/>
+                <a:gd name="connsiteY7" fmla="*/ 214184 h 2619633"/>
+                <a:gd name="connsiteX8" fmla="*/ 263938 w 505365"/>
+                <a:gd name="connsiteY8" fmla="*/ 0 h 2619633"/>
+              </a:gdLst>
+              <a:ahLst/>
+              <a:cxnLst>
+                <a:cxn ang="0">
+                  <a:pos x="connsiteX0" y="connsiteY0"/>
+                </a:cxn>
+                <a:cxn ang="0">
+                  <a:pos x="connsiteX1" y="connsiteY1"/>
+                </a:cxn>
+                <a:cxn ang="0">
+                  <a:pos x="connsiteX2" y="connsiteY2"/>
+                </a:cxn>
+                <a:cxn ang="0">
+                  <a:pos x="connsiteX3" y="connsiteY3"/>
+                </a:cxn>
+                <a:cxn ang="0">
+                  <a:pos x="connsiteX4" y="connsiteY4"/>
+                </a:cxn>
+                <a:cxn ang="0">
+                  <a:pos x="connsiteX5" y="connsiteY5"/>
+                </a:cxn>
+                <a:cxn ang="0">
+                  <a:pos x="connsiteX6" y="connsiteY6"/>
+                </a:cxn>
+                <a:cxn ang="0">
+                  <a:pos x="connsiteX7" y="connsiteY7"/>
+                </a:cxn>
+                <a:cxn ang="0">
+                  <a:pos x="connsiteX8" y="connsiteY8"/>
+                </a:cxn>
+              </a:cxnLst>
+              <a:rect l="l" t="t" r="r" b="b"/>
+              <a:pathLst>
+                <a:path w="505365" h="2619633">
+                  <a:moveTo>
+                    <a:pt x="206274" y="2619633"/>
+                  </a:moveTo>
+                  <a:cubicBezTo>
+                    <a:pt x="366912" y="2408881"/>
+                    <a:pt x="527550" y="2198130"/>
+                    <a:pt x="502836" y="2084173"/>
+                  </a:cubicBezTo>
+                  <a:cubicBezTo>
+                    <a:pt x="478122" y="1970216"/>
+                    <a:pt x="128014" y="2051222"/>
+                    <a:pt x="57992" y="1935892"/>
+                  </a:cubicBezTo>
+                  <a:cubicBezTo>
+                    <a:pt x="-12030" y="1820562"/>
+                    <a:pt x="30533" y="1539103"/>
+                    <a:pt x="82706" y="1392195"/>
+                  </a:cubicBezTo>
+                  <a:cubicBezTo>
+                    <a:pt x="134879" y="1245287"/>
+                    <a:pt x="342198" y="1162908"/>
+                    <a:pt x="371030" y="1054443"/>
+                  </a:cubicBezTo>
+                  <a:cubicBezTo>
+                    <a:pt x="399862" y="945978"/>
+                    <a:pt x="311993" y="827903"/>
+                    <a:pt x="255701" y="741406"/>
+                  </a:cubicBezTo>
+                  <a:cubicBezTo>
+                    <a:pt x="199409" y="654909"/>
+                    <a:pt x="71722" y="623330"/>
+                    <a:pt x="33279" y="535460"/>
+                  </a:cubicBezTo>
+                  <a:cubicBezTo>
+                    <a:pt x="-5164" y="447590"/>
+                    <a:pt x="-13402" y="303427"/>
+                    <a:pt x="25041" y="214184"/>
+                  </a:cubicBezTo>
+                  <a:cubicBezTo>
+                    <a:pt x="63484" y="124941"/>
+                    <a:pt x="163711" y="62470"/>
+                    <a:pt x="263938" y="0"/>
+                  </a:cubicBezTo>
+                </a:path>
+              </a:pathLst>
+            </a:custGeom>
+            <a:noFill/>
+            <a:ln>
+              <a:solidFill>
+                <a:srgbClr val="FF0000"/>
+              </a:solidFill>
+            </a:ln>
+          </p:spPr>
+          <p:style>
+            <a:lnRef idx="2">
+              <a:schemeClr val="accent1">
+                <a:shade val="50000"/>
+              </a:schemeClr>
+            </a:lnRef>
+            <a:fillRef idx="1">
+              <a:schemeClr val="accent1"/>
+            </a:fillRef>
+            <a:effectRef idx="0">
+              <a:schemeClr val="accent1"/>
+            </a:effectRef>
+            <a:fontRef idx="minor">
+              <a:schemeClr val="lt1"/>
+            </a:fontRef>
+          </p:style>
+          <p:txBody>
+            <a:bodyPr rtlCol="0" anchor="ctr"/>
+            <a:lstStyle/>
+            <a:p>
+              <a:pPr algn="ctr"/>
+              <a:endParaRPr lang="en-US"/>
+            </a:p>
+          </p:txBody>
+        </p:sp>
+      </p:grpSp>
+    </p:spTree>
+    <p:extLst>
+      <p:ext uri="{BB962C8B-B14F-4D97-AF65-F5344CB8AC3E}">
+        <p14:creationId xmlns:p14="http://schemas.microsoft.com/office/powerpoint/2010/main" val="565698447"/>
+      </p:ext>
+    </p:extLst>
+  </p:cSld>
+  <p:clrMapOvr>
+    <a:masterClrMapping/>
+  </p:clrMapOvr>
+</p:sld>
+</file>
+
+<file path=ppt/slides/slide7.xml><?xml version="1.0" encoding="utf-8"?>
+<p:sld xmlns:a="http://schemas.openxmlformats.org/drawingml/2006/main" xmlns:r="http://schemas.openxmlformats.org/officeDocument/2006/relationships" xmlns:p="http://schemas.openxmlformats.org/presentationml/2006/main">
+  <p:cSld>
+    <p:spTree>
+      <p:nvGrpSpPr>
+        <p:cNvPr id="1" name=""/>
+        <p:cNvGrpSpPr/>
+        <p:nvPr/>
+      </p:nvGrpSpPr>
+      <p:grpSpPr>
+        <a:xfrm>
+          <a:off x="0" y="0"/>
+          <a:ext cx="0" cy="0"/>
+          <a:chOff x="0" y="0"/>
+          <a:chExt cx="0" cy="0"/>
+        </a:xfrm>
+      </p:grpSpPr>
+      <p:sp>
+        <p:nvSpPr>
+          <p:cNvPr id="2" name="Title 1"/>
+          <p:cNvSpPr>
+            <a:spLocks noGrp="1"/>
+          </p:cNvSpPr>
+          <p:nvPr>
+            <p:ph type="title"/>
+          </p:nvPr>
+        </p:nvSpPr>
+        <p:spPr/>
+        <p:txBody>
+          <a:bodyPr/>
           <a:lstStyle/>
           <a:p>
-            <a:pPr algn="ctr"/>
             <a:endParaRPr lang="en-US"/>
           </a:p>
         </p:txBody>
       </p:sp>
-      <p:cxnSp>
-        <p:nvCxnSpPr>
-          <p:cNvPr id="6" name="Straight Connector 5"/>
-          <p:cNvCxnSpPr/>
+      <p:grpSp>
+        <p:nvGrpSpPr>
+          <p:cNvPr id="10" name="Group 9"/>
+          <p:cNvGrpSpPr/>
           <p:nvPr/>
-        </p:nvCxnSpPr>
-        <p:spPr>
+        </p:nvGrpSpPr>
+        <p:grpSpPr>
           <a:xfrm>
-            <a:off x="2940908" y="1581665"/>
-            <a:ext cx="8238" cy="4975654"/>
+            <a:off x="2979742" y="1475465"/>
+            <a:ext cx="2660822" cy="4975654"/>
+            <a:chOff x="2979742" y="1475465"/>
+            <a:chExt cx="2660822" cy="4975654"/>
           </a:xfrm>
-          <a:prstGeom prst="line">
-            <a:avLst/>
-          </a:prstGeom>
-        </p:spPr>
-        <p:style>
-          <a:lnRef idx="3">
-            <a:schemeClr val="accent3"/>
-          </a:lnRef>
-          <a:fillRef idx="0">
-            <a:schemeClr val="accent3"/>
-          </a:fillRef>
-          <a:effectRef idx="2">
-            <a:schemeClr val="accent3"/>
-          </a:effectRef>
-          <a:fontRef idx="minor">
-            <a:schemeClr val="tx1"/>
-          </a:fontRef>
-        </p:style>
-      </p:cxnSp>
-      <p:cxnSp>
-        <p:nvCxnSpPr>
-          <p:cNvPr id="7" name="Straight Connector 6"/>
-          <p:cNvCxnSpPr/>
+        </p:grpSpPr>
+        <p:grpSp>
+          <p:nvGrpSpPr>
+            <p:cNvPr id="14" name="Group 13"/>
+            <p:cNvGrpSpPr/>
+            <p:nvPr/>
+          </p:nvGrpSpPr>
+          <p:grpSpPr>
+            <a:xfrm>
+              <a:off x="2979742" y="1475465"/>
+              <a:ext cx="2660822" cy="4975654"/>
+              <a:chOff x="2850292" y="1581665"/>
+              <a:chExt cx="2660822" cy="4975654"/>
+            </a:xfrm>
+          </p:grpSpPr>
+          <p:sp>
+            <p:nvSpPr>
+              <p:cNvPr id="4" name="Rectangle 3"/>
+              <p:cNvSpPr/>
+              <p:nvPr/>
+            </p:nvSpPr>
+            <p:spPr>
+              <a:xfrm>
+                <a:off x="2850292" y="1581665"/>
+                <a:ext cx="2660822" cy="4975654"/>
+              </a:xfrm>
+              <a:prstGeom prst="rect">
+                <a:avLst/>
+              </a:prstGeom>
+            </p:spPr>
+            <p:style>
+              <a:lnRef idx="2">
+                <a:schemeClr val="dk1">
+                  <a:shade val="50000"/>
+                </a:schemeClr>
+              </a:lnRef>
+              <a:fillRef idx="1">
+                <a:schemeClr val="dk1"/>
+              </a:fillRef>
+              <a:effectRef idx="0">
+                <a:schemeClr val="dk1"/>
+              </a:effectRef>
+              <a:fontRef idx="minor">
+                <a:schemeClr val="lt1"/>
+              </a:fontRef>
+            </p:style>
+            <p:txBody>
+              <a:bodyPr rtlCol="0" anchor="ctr"/>
+              <a:lstStyle/>
+              <a:p>
+                <a:pPr algn="ctr"/>
+                <a:endParaRPr lang="en-US"/>
+              </a:p>
+            </p:txBody>
+          </p:sp>
+          <p:cxnSp>
+            <p:nvCxnSpPr>
+              <p:cNvPr id="6" name="Straight Connector 5"/>
+              <p:cNvCxnSpPr/>
+              <p:nvPr/>
+            </p:nvCxnSpPr>
+            <p:spPr>
+              <a:xfrm>
+                <a:off x="2940908" y="1581665"/>
+                <a:ext cx="8238" cy="4975654"/>
+              </a:xfrm>
+              <a:prstGeom prst="line">
+                <a:avLst/>
+              </a:prstGeom>
+            </p:spPr>
+            <p:style>
+              <a:lnRef idx="3">
+                <a:schemeClr val="accent3"/>
+              </a:lnRef>
+              <a:fillRef idx="0">
+                <a:schemeClr val="accent3"/>
+              </a:fillRef>
+              <a:effectRef idx="2">
+                <a:schemeClr val="accent3"/>
+              </a:effectRef>
+              <a:fontRef idx="minor">
+                <a:schemeClr val="tx1"/>
+              </a:fontRef>
+            </p:style>
+          </p:cxnSp>
+          <p:cxnSp>
+            <p:nvCxnSpPr>
+              <p:cNvPr id="7" name="Straight Connector 6"/>
+              <p:cNvCxnSpPr/>
+              <p:nvPr/>
+            </p:nvCxnSpPr>
+            <p:spPr>
+              <a:xfrm>
+                <a:off x="5424616" y="1581665"/>
+                <a:ext cx="8238" cy="4975654"/>
+              </a:xfrm>
+              <a:prstGeom prst="line">
+                <a:avLst/>
+              </a:prstGeom>
+            </p:spPr>
+            <p:style>
+              <a:lnRef idx="3">
+                <a:schemeClr val="accent3"/>
+              </a:lnRef>
+              <a:fillRef idx="0">
+                <a:schemeClr val="accent3"/>
+              </a:fillRef>
+              <a:effectRef idx="2">
+                <a:schemeClr val="accent3"/>
+              </a:effectRef>
+              <a:fontRef idx="minor">
+                <a:schemeClr val="tx1"/>
+              </a:fontRef>
+            </p:style>
+          </p:cxnSp>
+          <p:cxnSp>
+            <p:nvCxnSpPr>
+              <p:cNvPr id="8" name="Straight Connector 7"/>
+              <p:cNvCxnSpPr/>
+              <p:nvPr/>
+            </p:nvCxnSpPr>
+            <p:spPr>
+              <a:xfrm>
+                <a:off x="4180703" y="1581665"/>
+                <a:ext cx="8238" cy="4975654"/>
+              </a:xfrm>
+              <a:prstGeom prst="line">
+                <a:avLst/>
+              </a:prstGeom>
+              <a:ln>
+                <a:prstDash val="dash"/>
+              </a:ln>
+            </p:spPr>
+            <p:style>
+              <a:lnRef idx="3">
+                <a:schemeClr val="accent3"/>
+              </a:lnRef>
+              <a:fillRef idx="0">
+                <a:schemeClr val="accent3"/>
+              </a:fillRef>
+              <a:effectRef idx="2">
+                <a:schemeClr val="accent3"/>
+              </a:effectRef>
+              <a:fontRef idx="minor">
+                <a:schemeClr val="tx1"/>
+              </a:fontRef>
+            </p:style>
+          </p:cxnSp>
+          <p:pic>
+            <p:nvPicPr>
+              <p:cNvPr id="15" name="Picture 4" descr="Image result for car top view"/>
+              <p:cNvPicPr>
+                <a:picLocks noChangeAspect="1" noChangeArrowheads="1"/>
+              </p:cNvPicPr>
+              <p:nvPr/>
+            </p:nvPicPr>
+            <p:blipFill>
+              <a:blip r:embed="rId2">
+                <a:extLst>
+                  <a:ext uri="{28A0092B-C50C-407E-A947-70E740481C1C}">
+                    <a14:useLocalDpi xmlns:a14="http://schemas.microsoft.com/office/drawing/2010/main" val="0"/>
+                  </a:ext>
+                </a:extLst>
+              </a:blip>
+              <a:srcRect/>
+              <a:stretch>
+                <a:fillRect/>
+              </a:stretch>
+            </p:blipFill>
+            <p:spPr bwMode="auto">
+              <a:xfrm rot="5400000">
+                <a:off x="2639588" y="4907328"/>
+                <a:ext cx="1336932" cy="717816"/>
+              </a:xfrm>
+              <a:prstGeom prst="rect">
+                <a:avLst/>
+              </a:prstGeom>
+              <a:noFill/>
+              <a:extLst>
+                <a:ext uri="{909E8E84-426E-40DD-AFC4-6F175D3DCCD1}">
+                  <a14:hiddenFill xmlns:a14="http://schemas.microsoft.com/office/drawing/2010/main">
+                    <a:solidFill>
+                      <a:srgbClr val="FFFFFF"/>
+                    </a:solidFill>
+                  </a14:hiddenFill>
+                </a:ext>
+              </a:extLst>
+            </p:spPr>
+          </p:pic>
+        </p:grpSp>
+        <p:sp>
+          <p:nvSpPr>
+            <p:cNvPr id="9" name="Freeform 8"/>
+            <p:cNvSpPr/>
+            <p:nvPr/>
+          </p:nvSpPr>
+          <p:spPr>
+            <a:xfrm>
+              <a:off x="3327605" y="3521066"/>
+              <a:ext cx="1771062" cy="1106918"/>
+            </a:xfrm>
+            <a:custGeom>
+              <a:avLst/>
+              <a:gdLst>
+                <a:gd name="connsiteX0" fmla="*/ 143383 w 1771062"/>
+                <a:gd name="connsiteY0" fmla="*/ 1106918 h 1106918"/>
+                <a:gd name="connsiteX1" fmla="*/ 106060 w 1771062"/>
+                <a:gd name="connsiteY1" fmla="*/ 341807 h 1106918"/>
+                <a:gd name="connsiteX2" fmla="*/ 1328371 w 1771062"/>
+                <a:gd name="connsiteY2" fmla="*/ 15236 h 1106918"/>
+                <a:gd name="connsiteX3" fmla="*/ 1570966 w 1771062"/>
+                <a:gd name="connsiteY3" fmla="*/ 89881 h 1106918"/>
+                <a:gd name="connsiteX4" fmla="*/ 1757579 w 1771062"/>
+                <a:gd name="connsiteY4" fmla="*/ 407122 h 1106918"/>
+                <a:gd name="connsiteX5" fmla="*/ 1757579 w 1771062"/>
+                <a:gd name="connsiteY5" fmla="*/ 631056 h 1106918"/>
+                <a:gd name="connsiteX6" fmla="*/ 1766909 w 1771062"/>
+                <a:gd name="connsiteY6" fmla="*/ 892314 h 1106918"/>
+              </a:gdLst>
+              <a:ahLst/>
+              <a:cxnLst>
+                <a:cxn ang="0">
+                  <a:pos x="connsiteX0" y="connsiteY0"/>
+                </a:cxn>
+                <a:cxn ang="0">
+                  <a:pos x="connsiteX1" y="connsiteY1"/>
+                </a:cxn>
+                <a:cxn ang="0">
+                  <a:pos x="connsiteX2" y="connsiteY2"/>
+                </a:cxn>
+                <a:cxn ang="0">
+                  <a:pos x="connsiteX3" y="connsiteY3"/>
+                </a:cxn>
+                <a:cxn ang="0">
+                  <a:pos x="connsiteX4" y="connsiteY4"/>
+                </a:cxn>
+                <a:cxn ang="0">
+                  <a:pos x="connsiteX5" y="connsiteY5"/>
+                </a:cxn>
+                <a:cxn ang="0">
+                  <a:pos x="connsiteX6" y="connsiteY6"/>
+                </a:cxn>
+              </a:cxnLst>
+              <a:rect l="l" t="t" r="r" b="b"/>
+              <a:pathLst>
+                <a:path w="1771062" h="1106918">
+                  <a:moveTo>
+                    <a:pt x="143383" y="1106918"/>
+                  </a:moveTo>
+                  <a:cubicBezTo>
+                    <a:pt x="25972" y="815336"/>
+                    <a:pt x="-91438" y="523754"/>
+                    <a:pt x="106060" y="341807"/>
+                  </a:cubicBezTo>
+                  <a:cubicBezTo>
+                    <a:pt x="303558" y="159860"/>
+                    <a:pt x="1084220" y="57224"/>
+                    <a:pt x="1328371" y="15236"/>
+                  </a:cubicBezTo>
+                  <a:cubicBezTo>
+                    <a:pt x="1572522" y="-26752"/>
+                    <a:pt x="1499431" y="24567"/>
+                    <a:pt x="1570966" y="89881"/>
+                  </a:cubicBezTo>
+                  <a:cubicBezTo>
+                    <a:pt x="1642501" y="155195"/>
+                    <a:pt x="1726477" y="316926"/>
+                    <a:pt x="1757579" y="407122"/>
+                  </a:cubicBezTo>
+                  <a:cubicBezTo>
+                    <a:pt x="1788681" y="497318"/>
+                    <a:pt x="1756024" y="550191"/>
+                    <a:pt x="1757579" y="631056"/>
+                  </a:cubicBezTo>
+                  <a:cubicBezTo>
+                    <a:pt x="1759134" y="711921"/>
+                    <a:pt x="1763021" y="802117"/>
+                    <a:pt x="1766909" y="892314"/>
+                  </a:cubicBezTo>
+                </a:path>
+              </a:pathLst>
+            </a:custGeom>
+          </p:spPr>
+          <p:style>
+            <a:lnRef idx="3">
+              <a:schemeClr val="accent2"/>
+            </a:lnRef>
+            <a:fillRef idx="0">
+              <a:schemeClr val="accent2"/>
+            </a:fillRef>
+            <a:effectRef idx="2">
+              <a:schemeClr val="accent2"/>
+            </a:effectRef>
+            <a:fontRef idx="minor">
+              <a:schemeClr val="tx1"/>
+            </a:fontRef>
+          </p:style>
+          <p:txBody>
+            <a:bodyPr rtlCol="0" anchor="ctr"/>
+            <a:lstStyle/>
+            <a:p>
+              <a:pPr algn="ctr"/>
+              <a:endParaRPr lang="en-US"/>
+            </a:p>
+          </p:txBody>
+        </p:sp>
+        <p:pic>
+          <p:nvPicPr>
+            <p:cNvPr id="12" name="Picture 4" descr="Image result for car top view"/>
+            <p:cNvPicPr>
+              <a:picLocks noChangeAspect="1" noChangeArrowheads="1"/>
+            </p:cNvPicPr>
+            <p:nvPr/>
+          </p:nvPicPr>
+          <p:blipFill>
+            <a:blip r:embed="rId2">
+              <a:extLst>
+                <a:ext uri="{28A0092B-C50C-407E-A947-70E740481C1C}">
+                  <a14:useLocalDpi xmlns:a14="http://schemas.microsoft.com/office/drawing/2010/main" val="0"/>
+                </a:ext>
+              </a:extLst>
+            </a:blip>
+            <a:srcRect/>
+            <a:stretch>
+              <a:fillRect/>
+            </a:stretch>
+          </p:blipFill>
+          <p:spPr bwMode="auto">
+            <a:xfrm rot="17483236">
+              <a:off x="4219649" y="4357701"/>
+              <a:ext cx="1336932" cy="717816"/>
+            </a:xfrm>
+            <a:prstGeom prst="rect">
+              <a:avLst/>
+            </a:prstGeom>
+            <a:noFill/>
+            <a:extLst>
+              <a:ext uri="{909E8E84-426E-40DD-AFC4-6F175D3DCCD1}">
+                <a14:hiddenFill xmlns:a14="http://schemas.microsoft.com/office/drawing/2010/main">
+                  <a:solidFill>
+                    <a:srgbClr val="FFFFFF"/>
+                  </a:solidFill>
+                </a14:hiddenFill>
+              </a:ext>
+            </a:extLst>
+          </p:spPr>
+        </p:pic>
+      </p:grpSp>
+    </p:spTree>
+    <p:extLst>
+      <p:ext uri="{BB962C8B-B14F-4D97-AF65-F5344CB8AC3E}">
+        <p14:creationId xmlns:p14="http://schemas.microsoft.com/office/powerpoint/2010/main" val="361298075"/>
+      </p:ext>
+    </p:extLst>
+  </p:cSld>
+  <p:clrMapOvr>
+    <a:masterClrMapping/>
+  </p:clrMapOvr>
+</p:sld>
+</file>
+
+<file path=ppt/slides/slide8.xml><?xml version="1.0" encoding="utf-8"?>
+<p:sld xmlns:a="http://schemas.openxmlformats.org/drawingml/2006/main" xmlns:r="http://schemas.openxmlformats.org/officeDocument/2006/relationships" xmlns:p="http://schemas.openxmlformats.org/presentationml/2006/main">
+  <p:cSld>
+    <p:spTree>
+      <p:nvGrpSpPr>
+        <p:cNvPr id="1" name=""/>
+        <p:cNvGrpSpPr/>
+        <p:nvPr/>
+      </p:nvGrpSpPr>
+      <p:grpSpPr>
+        <a:xfrm>
+          <a:off x="0" y="0"/>
+          <a:ext cx="0" cy="0"/>
+          <a:chOff x="0" y="0"/>
+          <a:chExt cx="0" cy="0"/>
+        </a:xfrm>
+      </p:grpSpPr>
+      <p:sp>
+        <p:nvSpPr>
+          <p:cNvPr id="2" name="Title 1"/>
+          <p:cNvSpPr>
+            <a:spLocks noGrp="1"/>
+          </p:cNvSpPr>
+          <p:nvPr>
+            <p:ph type="title"/>
+          </p:nvPr>
+        </p:nvSpPr>
+        <p:spPr/>
+        <p:txBody>
+          <a:bodyPr/>
+          <a:lstStyle/>
+          <a:p>
+            <a:endParaRPr lang="en-US"/>
+          </a:p>
+        </p:txBody>
+      </p:sp>
+      <p:grpSp>
+        <p:nvGrpSpPr>
+          <p:cNvPr id="3" name="Group 2"/>
+          <p:cNvGrpSpPr/>
           <p:nvPr/>
-        </p:nvCxnSpPr>
-        <p:spPr>
+        </p:nvGrpSpPr>
+        <p:grpSpPr>
           <a:xfrm>
-            <a:off x="5424616" y="1581665"/>
-            <a:ext cx="8238" cy="4975654"/>
+            <a:off x="2850292" y="1581665"/>
+            <a:ext cx="2660822" cy="4975654"/>
+            <a:chOff x="2850292" y="1581665"/>
+            <a:chExt cx="2660822" cy="4975654"/>
           </a:xfrm>
-          <a:prstGeom prst="line">
-            <a:avLst/>
-          </a:prstGeom>
-        </p:spPr>
-        <p:style>
-          <a:lnRef idx="3">
-            <a:schemeClr val="accent3"/>
-          </a:lnRef>
-          <a:fillRef idx="0">
-            <a:schemeClr val="accent3"/>
-          </a:fillRef>
-          <a:effectRef idx="2">
-            <a:schemeClr val="accent3"/>
-          </a:effectRef>
-          <a:fontRef idx="minor">
-            <a:schemeClr val="tx1"/>
-          </a:fontRef>
-        </p:style>
-      </p:cxnSp>
-      <p:cxnSp>
-        <p:nvCxnSpPr>
-          <p:cNvPr id="8" name="Straight Connector 7"/>
-          <p:cNvCxnSpPr/>
+        </p:grpSpPr>
+        <p:sp>
+          <p:nvSpPr>
+            <p:cNvPr id="4" name="Rectangle 3"/>
+            <p:cNvSpPr/>
+            <p:nvPr/>
+          </p:nvSpPr>
+          <p:spPr>
+            <a:xfrm>
+              <a:off x="2850292" y="1581665"/>
+              <a:ext cx="2660822" cy="4975654"/>
+            </a:xfrm>
+            <a:prstGeom prst="rect">
+              <a:avLst/>
+            </a:prstGeom>
+          </p:spPr>
+          <p:style>
+            <a:lnRef idx="2">
+              <a:schemeClr val="dk1">
+                <a:shade val="50000"/>
+              </a:schemeClr>
+            </a:lnRef>
+            <a:fillRef idx="1">
+              <a:schemeClr val="dk1"/>
+            </a:fillRef>
+            <a:effectRef idx="0">
+              <a:schemeClr val="dk1"/>
+            </a:effectRef>
+            <a:fontRef idx="minor">
+              <a:schemeClr val="lt1"/>
+            </a:fontRef>
+          </p:style>
+          <p:txBody>
+            <a:bodyPr rtlCol="0" anchor="ctr"/>
+            <a:lstStyle/>
+            <a:p>
+              <a:pPr algn="ctr"/>
+              <a:endParaRPr lang="en-US"/>
+            </a:p>
+          </p:txBody>
+        </p:sp>
+        <p:cxnSp>
+          <p:nvCxnSpPr>
+            <p:cNvPr id="6" name="Straight Connector 5"/>
+            <p:cNvCxnSpPr/>
+            <p:nvPr/>
+          </p:nvCxnSpPr>
+          <p:spPr>
+            <a:xfrm>
+              <a:off x="2940908" y="1581665"/>
+              <a:ext cx="8238" cy="4975654"/>
+            </a:xfrm>
+            <a:prstGeom prst="line">
+              <a:avLst/>
+            </a:prstGeom>
+          </p:spPr>
+          <p:style>
+            <a:lnRef idx="3">
+              <a:schemeClr val="accent3"/>
+            </a:lnRef>
+            <a:fillRef idx="0">
+              <a:schemeClr val="accent3"/>
+            </a:fillRef>
+            <a:effectRef idx="2">
+              <a:schemeClr val="accent3"/>
+            </a:effectRef>
+            <a:fontRef idx="minor">
+              <a:schemeClr val="tx1"/>
+            </a:fontRef>
+          </p:style>
+        </p:cxnSp>
+        <p:cxnSp>
+          <p:nvCxnSpPr>
+            <p:cNvPr id="7" name="Straight Connector 6"/>
+            <p:cNvCxnSpPr/>
+            <p:nvPr/>
+          </p:nvCxnSpPr>
+          <p:spPr>
+            <a:xfrm>
+              <a:off x="5424616" y="1581665"/>
+              <a:ext cx="8238" cy="4975654"/>
+            </a:xfrm>
+            <a:prstGeom prst="line">
+              <a:avLst/>
+            </a:prstGeom>
+          </p:spPr>
+          <p:style>
+            <a:lnRef idx="3">
+              <a:schemeClr val="accent3"/>
+            </a:lnRef>
+            <a:fillRef idx="0">
+              <a:schemeClr val="accent3"/>
+            </a:fillRef>
+            <a:effectRef idx="2">
+              <a:schemeClr val="accent3"/>
+            </a:effectRef>
+            <a:fontRef idx="minor">
+              <a:schemeClr val="tx1"/>
+            </a:fontRef>
+          </p:style>
+        </p:cxnSp>
+        <p:cxnSp>
+          <p:nvCxnSpPr>
+            <p:cNvPr id="8" name="Straight Connector 7"/>
+            <p:cNvCxnSpPr/>
+            <p:nvPr/>
+          </p:nvCxnSpPr>
+          <p:spPr>
+            <a:xfrm>
+              <a:off x="4180703" y="1581665"/>
+              <a:ext cx="8238" cy="4975654"/>
+            </a:xfrm>
+            <a:prstGeom prst="line">
+              <a:avLst/>
+            </a:prstGeom>
+            <a:ln>
+              <a:prstDash val="dash"/>
+            </a:ln>
+          </p:spPr>
+          <p:style>
+            <a:lnRef idx="3">
+              <a:schemeClr val="accent3"/>
+            </a:lnRef>
+            <a:fillRef idx="0">
+              <a:schemeClr val="accent3"/>
+            </a:fillRef>
+            <a:effectRef idx="2">
+              <a:schemeClr val="accent3"/>
+            </a:effectRef>
+            <a:fontRef idx="minor">
+              <a:schemeClr val="tx1"/>
+            </a:fontRef>
+          </p:style>
+        </p:cxnSp>
+        <p:pic>
+          <p:nvPicPr>
+            <p:cNvPr id="1028" name="Picture 4" descr="Image result for car top view"/>
+            <p:cNvPicPr>
+              <a:picLocks noChangeAspect="1" noChangeArrowheads="1"/>
+            </p:cNvPicPr>
+            <p:nvPr/>
+          </p:nvPicPr>
+          <p:blipFill>
+            <a:blip r:embed="rId2">
+              <a:extLst>
+                <a:ext uri="{28A0092B-C50C-407E-A947-70E740481C1C}">
+                  <a14:useLocalDpi xmlns:a14="http://schemas.microsoft.com/office/drawing/2010/main" val="0"/>
+                </a:ext>
+              </a:extLst>
+            </a:blip>
+            <a:srcRect/>
+            <a:stretch>
+              <a:fillRect/>
+            </a:stretch>
+          </p:blipFill>
+          <p:spPr bwMode="auto">
+            <a:xfrm rot="5400000">
+              <a:off x="3122316" y="5398779"/>
+              <a:ext cx="1336932" cy="717816"/>
+            </a:xfrm>
+            <a:prstGeom prst="rect">
+              <a:avLst/>
+            </a:prstGeom>
+            <a:noFill/>
+            <a:extLst>
+              <a:ext uri="{909E8E84-426E-40DD-AFC4-6F175D3DCCD1}">
+                <a14:hiddenFill xmlns:a14="http://schemas.microsoft.com/office/drawing/2010/main">
+                  <a:solidFill>
+                    <a:srgbClr val="FFFFFF"/>
+                  </a:solidFill>
+                </a14:hiddenFill>
+              </a:ext>
+            </a:extLst>
+          </p:spPr>
+        </p:pic>
+        <p:pic>
+          <p:nvPicPr>
+            <p:cNvPr id="13" name="Picture 4" descr="Image result for car top view"/>
+            <p:cNvPicPr>
+              <a:picLocks noChangeAspect="1" noChangeArrowheads="1"/>
+            </p:cNvPicPr>
+            <p:nvPr/>
+          </p:nvPicPr>
+          <p:blipFill>
+            <a:blip r:embed="rId2">
+              <a:extLst>
+                <a:ext uri="{28A0092B-C50C-407E-A947-70E740481C1C}">
+                  <a14:useLocalDpi xmlns:a14="http://schemas.microsoft.com/office/drawing/2010/main" val="0"/>
+                </a:ext>
+              </a:extLst>
+            </a:blip>
+            <a:srcRect/>
+            <a:stretch>
+              <a:fillRect/>
+            </a:stretch>
+          </p:blipFill>
+          <p:spPr bwMode="auto">
+            <a:xfrm rot="7140670">
+              <a:off x="3228063" y="4566497"/>
+              <a:ext cx="1336932" cy="717816"/>
+            </a:xfrm>
+            <a:prstGeom prst="rect">
+              <a:avLst/>
+            </a:prstGeom>
+            <a:noFill/>
+            <a:extLst>
+              <a:ext uri="{909E8E84-426E-40DD-AFC4-6F175D3DCCD1}">
+                <a14:hiddenFill xmlns:a14="http://schemas.microsoft.com/office/drawing/2010/main">
+                  <a:solidFill>
+                    <a:srgbClr val="FFFFFF"/>
+                  </a:solidFill>
+                </a14:hiddenFill>
+              </a:ext>
+            </a:extLst>
+          </p:spPr>
+        </p:pic>
+        <p:pic>
+          <p:nvPicPr>
+            <p:cNvPr id="14" name="Picture 4" descr="Image result for car top view"/>
+            <p:cNvPicPr>
+              <a:picLocks noChangeAspect="1" noChangeArrowheads="1"/>
+            </p:cNvPicPr>
+            <p:nvPr/>
+          </p:nvPicPr>
+          <p:blipFill>
+            <a:blip r:embed="rId2">
+              <a:extLst>
+                <a:ext uri="{28A0092B-C50C-407E-A947-70E740481C1C}">
+                  <a14:useLocalDpi xmlns:a14="http://schemas.microsoft.com/office/drawing/2010/main" val="0"/>
+                </a:ext>
+              </a:extLst>
+            </a:blip>
+            <a:srcRect/>
+            <a:stretch>
+              <a:fillRect/>
+            </a:stretch>
+          </p:blipFill>
+          <p:spPr bwMode="auto">
+            <a:xfrm rot="8986317">
+              <a:off x="3380049" y="4267602"/>
+              <a:ext cx="1336932" cy="717816"/>
+            </a:xfrm>
+            <a:prstGeom prst="rect">
+              <a:avLst/>
+            </a:prstGeom>
+            <a:noFill/>
+            <a:extLst>
+              <a:ext uri="{909E8E84-426E-40DD-AFC4-6F175D3DCCD1}">
+                <a14:hiddenFill xmlns:a14="http://schemas.microsoft.com/office/drawing/2010/main">
+                  <a:solidFill>
+                    <a:srgbClr val="FFFFFF"/>
+                  </a:solidFill>
+                </a14:hiddenFill>
+              </a:ext>
+            </a:extLst>
+          </p:spPr>
+        </p:pic>
+        <p:pic>
+          <p:nvPicPr>
+            <p:cNvPr id="15" name="Picture 4" descr="Image result for car top view"/>
+            <p:cNvPicPr>
+              <a:picLocks noChangeAspect="1" noChangeArrowheads="1"/>
+            </p:cNvPicPr>
+            <p:nvPr/>
+          </p:nvPicPr>
+          <p:blipFill>
+            <a:blip r:embed="rId2">
+              <a:extLst>
+                <a:ext uri="{28A0092B-C50C-407E-A947-70E740481C1C}">
+                  <a14:useLocalDpi xmlns:a14="http://schemas.microsoft.com/office/drawing/2010/main" val="0"/>
+                </a:ext>
+              </a:extLst>
+            </a:blip>
+            <a:srcRect/>
+            <a:stretch>
+              <a:fillRect/>
+            </a:stretch>
+          </p:blipFill>
+          <p:spPr bwMode="auto">
+            <a:xfrm rot="7371718">
+              <a:off x="3959266" y="3668405"/>
+              <a:ext cx="1336932" cy="717816"/>
+            </a:xfrm>
+            <a:prstGeom prst="rect">
+              <a:avLst/>
+            </a:prstGeom>
+            <a:noFill/>
+            <a:extLst>
+              <a:ext uri="{909E8E84-426E-40DD-AFC4-6F175D3DCCD1}">
+                <a14:hiddenFill xmlns:a14="http://schemas.microsoft.com/office/drawing/2010/main">
+                  <a:solidFill>
+                    <a:srgbClr val="FFFFFF"/>
+                  </a:solidFill>
+                </a14:hiddenFill>
+              </a:ext>
+            </a:extLst>
+          </p:spPr>
+        </p:pic>
+        <p:pic>
+          <p:nvPicPr>
+            <p:cNvPr id="16" name="Picture 4" descr="Image result for car top view"/>
+            <p:cNvPicPr>
+              <a:picLocks noChangeAspect="1" noChangeArrowheads="1"/>
+            </p:cNvPicPr>
+            <p:nvPr/>
+          </p:nvPicPr>
+          <p:blipFill>
+            <a:blip r:embed="rId2">
+              <a:extLst>
+                <a:ext uri="{28A0092B-C50C-407E-A947-70E740481C1C}">
+                  <a14:useLocalDpi xmlns:a14="http://schemas.microsoft.com/office/drawing/2010/main" val="0"/>
+                </a:ext>
+              </a:extLst>
+            </a:blip>
+            <a:srcRect/>
+            <a:stretch>
+              <a:fillRect/>
+            </a:stretch>
+          </p:blipFill>
+          <p:spPr bwMode="auto">
+            <a:xfrm rot="5400000">
+              <a:off x="4096551" y="3139377"/>
+              <a:ext cx="1336932" cy="717816"/>
+            </a:xfrm>
+            <a:prstGeom prst="rect">
+              <a:avLst/>
+            </a:prstGeom>
+            <a:noFill/>
+            <a:extLst>
+              <a:ext uri="{909E8E84-426E-40DD-AFC4-6F175D3DCCD1}">
+                <a14:hiddenFill xmlns:a14="http://schemas.microsoft.com/office/drawing/2010/main">
+                  <a:solidFill>
+                    <a:srgbClr val="FFFFFF"/>
+                  </a:solidFill>
+                </a14:hiddenFill>
+              </a:ext>
+            </a:extLst>
+          </p:spPr>
+        </p:pic>
+        <p:pic>
+          <p:nvPicPr>
+            <p:cNvPr id="17" name="Picture 4" descr="Image result for car top view"/>
+            <p:cNvPicPr>
+              <a:picLocks noChangeAspect="1" noChangeArrowheads="1"/>
+            </p:cNvPicPr>
+            <p:nvPr/>
+          </p:nvPicPr>
+          <p:blipFill>
+            <a:blip r:embed="rId2">
+              <a:extLst>
+                <a:ext uri="{28A0092B-C50C-407E-A947-70E740481C1C}">
+                  <a14:useLocalDpi xmlns:a14="http://schemas.microsoft.com/office/drawing/2010/main" val="0"/>
+                </a:ext>
+              </a:extLst>
+            </a:blip>
+            <a:srcRect/>
+            <a:stretch>
+              <a:fillRect/>
+            </a:stretch>
+          </p:blipFill>
+          <p:spPr bwMode="auto">
+            <a:xfrm rot="4458553">
+              <a:off x="3937979" y="2421859"/>
+              <a:ext cx="1336932" cy="717816"/>
+            </a:xfrm>
+            <a:prstGeom prst="rect">
+              <a:avLst/>
+            </a:prstGeom>
+            <a:noFill/>
+            <a:extLst>
+              <a:ext uri="{909E8E84-426E-40DD-AFC4-6F175D3DCCD1}">
+                <a14:hiddenFill xmlns:a14="http://schemas.microsoft.com/office/drawing/2010/main">
+                  <a:solidFill>
+                    <a:srgbClr val="FFFFFF"/>
+                  </a:solidFill>
+                </a14:hiddenFill>
+              </a:ext>
+            </a:extLst>
+          </p:spPr>
+        </p:pic>
+      </p:grpSp>
+    </p:spTree>
+    <p:extLst>
+      <p:ext uri="{BB962C8B-B14F-4D97-AF65-F5344CB8AC3E}">
+        <p14:creationId xmlns:p14="http://schemas.microsoft.com/office/powerpoint/2010/main" val="489819152"/>
+      </p:ext>
+    </p:extLst>
+  </p:cSld>
+  <p:clrMapOvr>
+    <a:masterClrMapping/>
+  </p:clrMapOvr>
+</p:sld>
+</file>
+
+<file path=ppt/slides/slide9.xml><?xml version="1.0" encoding="utf-8"?>
+<p:sld xmlns:a="http://schemas.openxmlformats.org/drawingml/2006/main" xmlns:r="http://schemas.openxmlformats.org/officeDocument/2006/relationships" xmlns:p="http://schemas.openxmlformats.org/presentationml/2006/main">
+  <p:cSld>
+    <p:spTree>
+      <p:nvGrpSpPr>
+        <p:cNvPr id="1" name=""/>
+        <p:cNvGrpSpPr/>
+        <p:nvPr/>
+      </p:nvGrpSpPr>
+      <p:grpSpPr>
+        <a:xfrm>
+          <a:off x="0" y="0"/>
+          <a:ext cx="0" cy="0"/>
+          <a:chOff x="0" y="0"/>
+          <a:chExt cx="0" cy="0"/>
+        </a:xfrm>
+      </p:grpSpPr>
+      <p:sp>
+        <p:nvSpPr>
+          <p:cNvPr id="2" name="Title 1"/>
+          <p:cNvSpPr>
+            <a:spLocks noGrp="1"/>
+          </p:cNvSpPr>
+          <p:nvPr>
+            <p:ph type="title"/>
+          </p:nvPr>
+        </p:nvSpPr>
+        <p:spPr/>
+        <p:txBody>
+          <a:bodyPr/>
+          <a:lstStyle/>
+          <a:p>
+            <a:endParaRPr lang="en-US"/>
+          </a:p>
+        </p:txBody>
+      </p:sp>
+      <p:grpSp>
+        <p:nvGrpSpPr>
+          <p:cNvPr id="11" name="Group 10"/>
+          <p:cNvGrpSpPr/>
           <p:nvPr/>
-        </p:nvCxnSpPr>
-        <p:spPr>
+        </p:nvGrpSpPr>
+        <p:grpSpPr>
           <a:xfrm>
-            <a:off x="4180703" y="1581665"/>
-            <a:ext cx="8238" cy="4975654"/>
+            <a:off x="3144417" y="1735494"/>
+            <a:ext cx="3340359" cy="4404049"/>
+            <a:chOff x="3144417" y="2519265"/>
+            <a:chExt cx="3679370" cy="3620278"/>
           </a:xfrm>
-          <a:prstGeom prst="line">
-            <a:avLst/>
-          </a:prstGeom>
-          <a:ln>
-            <a:prstDash val="dash"/>
-          </a:ln>
-        </p:spPr>
-        <p:style>
-          <a:lnRef idx="3">
-            <a:schemeClr val="accent3"/>
-          </a:lnRef>
-          <a:fillRef idx="0">
-            <a:schemeClr val="accent3"/>
-          </a:fillRef>
-          <a:effectRef idx="2">
-            <a:schemeClr val="accent3"/>
-          </a:effectRef>
-          <a:fontRef idx="minor">
-            <a:schemeClr val="tx1"/>
-          </a:fontRef>
-        </p:style>
-      </p:cxnSp>
+        </p:grpSpPr>
+        <p:sp>
+          <p:nvSpPr>
+            <p:cNvPr id="9" name="Flowchart: Stored Data 8"/>
+            <p:cNvSpPr/>
+            <p:nvPr/>
+          </p:nvSpPr>
+          <p:spPr>
+            <a:xfrm>
+              <a:off x="3144417" y="2519265"/>
+              <a:ext cx="3312367" cy="3620278"/>
+            </a:xfrm>
+            <a:prstGeom prst="flowChartOnlineStorage">
+              <a:avLst/>
+            </a:prstGeom>
+          </p:spPr>
+          <p:style>
+            <a:lnRef idx="2">
+              <a:schemeClr val="dk1">
+                <a:shade val="50000"/>
+              </a:schemeClr>
+            </a:lnRef>
+            <a:fillRef idx="1">
+              <a:schemeClr val="dk1"/>
+            </a:fillRef>
+            <a:effectRef idx="0">
+              <a:schemeClr val="dk1"/>
+            </a:effectRef>
+            <a:fontRef idx="minor">
+              <a:schemeClr val="lt1"/>
+            </a:fontRef>
+          </p:style>
+          <p:txBody>
+            <a:bodyPr rtlCol="0" anchor="ctr"/>
+            <a:lstStyle/>
+            <a:p>
+              <a:pPr algn="ctr"/>
+              <a:endParaRPr lang="en-US"/>
+            </a:p>
+          </p:txBody>
+        </p:sp>
+        <p:sp>
+          <p:nvSpPr>
+            <p:cNvPr id="10" name="Arc 9"/>
+            <p:cNvSpPr/>
+            <p:nvPr/>
+          </p:nvSpPr>
+          <p:spPr>
+            <a:xfrm flipH="1">
+              <a:off x="3228390" y="2519265"/>
+              <a:ext cx="979716" cy="3620278"/>
+            </a:xfrm>
+            <a:prstGeom prst="arc">
+              <a:avLst>
+                <a:gd name="adj1" fmla="val 16200000"/>
+                <a:gd name="adj2" fmla="val 5381713"/>
+              </a:avLst>
+            </a:prstGeom>
+            <a:ln w="28575">
+              <a:solidFill>
+                <a:srgbClr val="FFFF00"/>
+              </a:solidFill>
+            </a:ln>
+          </p:spPr>
+          <p:style>
+            <a:lnRef idx="1">
+              <a:schemeClr val="accent1"/>
+            </a:lnRef>
+            <a:fillRef idx="0">
+              <a:schemeClr val="accent1"/>
+            </a:fillRef>
+            <a:effectRef idx="0">
+              <a:schemeClr val="accent1"/>
+            </a:effectRef>
+            <a:fontRef idx="minor">
+              <a:schemeClr val="tx1"/>
+            </a:fontRef>
+          </p:style>
+          <p:txBody>
+            <a:bodyPr rtlCol="0" anchor="ctr"/>
+            <a:lstStyle/>
+            <a:p>
+              <a:pPr algn="ctr"/>
+              <a:endParaRPr lang="en-US"/>
+            </a:p>
+          </p:txBody>
+        </p:sp>
+        <p:sp>
+          <p:nvSpPr>
+            <p:cNvPr id="18" name="Arc 17"/>
+            <p:cNvSpPr/>
+            <p:nvPr/>
+          </p:nvSpPr>
+          <p:spPr>
+            <a:xfrm flipH="1">
+              <a:off x="5844071" y="2519265"/>
+              <a:ext cx="979716" cy="3620278"/>
+            </a:xfrm>
+            <a:prstGeom prst="arc">
+              <a:avLst>
+                <a:gd name="adj1" fmla="val 16200000"/>
+                <a:gd name="adj2" fmla="val 5381713"/>
+              </a:avLst>
+            </a:prstGeom>
+            <a:ln w="28575">
+              <a:solidFill>
+                <a:srgbClr val="FFFF00"/>
+              </a:solidFill>
+            </a:ln>
+          </p:spPr>
+          <p:style>
+            <a:lnRef idx="1">
+              <a:schemeClr val="accent1"/>
+            </a:lnRef>
+            <a:fillRef idx="0">
+              <a:schemeClr val="accent1"/>
+            </a:fillRef>
+            <a:effectRef idx="0">
+              <a:schemeClr val="accent1"/>
+            </a:effectRef>
+            <a:fontRef idx="minor">
+              <a:schemeClr val="tx1"/>
+            </a:fontRef>
+          </p:style>
+          <p:txBody>
+            <a:bodyPr rtlCol="0" anchor="ctr"/>
+            <a:lstStyle/>
+            <a:p>
+              <a:pPr algn="ctr"/>
+              <a:endParaRPr lang="en-US"/>
+            </a:p>
+          </p:txBody>
+        </p:sp>
+        <p:sp>
+          <p:nvSpPr>
+            <p:cNvPr id="19" name="Arc 18"/>
+            <p:cNvSpPr/>
+            <p:nvPr/>
+          </p:nvSpPr>
+          <p:spPr>
+            <a:xfrm flipH="1">
+              <a:off x="4497352" y="2519265"/>
+              <a:ext cx="979716" cy="3620278"/>
+            </a:xfrm>
+            <a:prstGeom prst="arc">
+              <a:avLst>
+                <a:gd name="adj1" fmla="val 16200000"/>
+                <a:gd name="adj2" fmla="val 5381713"/>
+              </a:avLst>
+            </a:prstGeom>
+            <a:ln w="28575">
+              <a:solidFill>
+                <a:srgbClr val="FFFF00"/>
+              </a:solidFill>
+              <a:prstDash val="dash"/>
+            </a:ln>
+          </p:spPr>
+          <p:style>
+            <a:lnRef idx="1">
+              <a:schemeClr val="accent1"/>
+            </a:lnRef>
+            <a:fillRef idx="0">
+              <a:schemeClr val="accent1"/>
+            </a:fillRef>
+            <a:effectRef idx="0">
+              <a:schemeClr val="accent1"/>
+            </a:effectRef>
+            <a:fontRef idx="minor">
+              <a:schemeClr val="tx1"/>
+            </a:fontRef>
+          </p:style>
+          <p:txBody>
+            <a:bodyPr rtlCol="0" anchor="ctr"/>
+            <a:lstStyle/>
+            <a:p>
+              <a:pPr algn="ctr"/>
+              <a:endParaRPr lang="en-US"/>
+            </a:p>
+          </p:txBody>
+        </p:sp>
+      </p:grpSp>
       <p:pic>
         <p:nvPicPr>
-          <p:cNvPr id="1028" name="Picture 4" descr="Image result for car top view"/>
+          <p:cNvPr id="20" name="Picture 4" descr="Image result for car top view"/>
           <p:cNvPicPr>
             <a:picLocks noChangeAspect="1" noChangeArrowheads="1"/>
           </p:cNvPicPr>
@@ -6100,8 +7414,8 @@
           </a:stretch>
         </p:blipFill>
         <p:spPr bwMode="auto">
-          <a:xfrm rot="5238411">
-            <a:off x="2894401" y="5398779"/>
+          <a:xfrm rot="4458553">
+            <a:off x="4230546" y="5040015"/>
             <a:ext cx="1336932" cy="717816"/>
           </a:xfrm>
           <a:prstGeom prst="rect">
@@ -6119,10 +7433,106 @@
           </a:extLst>
         </p:spPr>
       </p:pic>
+      <p:sp>
+        <p:nvSpPr>
+          <p:cNvPr id="22" name="Freeform 21"/>
+          <p:cNvSpPr/>
+          <p:nvPr/>
+        </p:nvSpPr>
+        <p:spPr>
+          <a:xfrm>
+            <a:off x="4111649" y="1772816"/>
+            <a:ext cx="441690" cy="2976466"/>
+          </a:xfrm>
+          <a:custGeom>
+            <a:avLst/>
+            <a:gdLst>
+              <a:gd name="connsiteX0" fmla="*/ 385706 w 385706"/>
+              <a:gd name="connsiteY0" fmla="*/ 2939143 h 2939143"/>
+              <a:gd name="connsiteX1" fmla="*/ 77796 w 385706"/>
+              <a:gd name="connsiteY1" fmla="*/ 2276670 h 2939143"/>
+              <a:gd name="connsiteX2" fmla="*/ 3151 w 385706"/>
+              <a:gd name="connsiteY2" fmla="*/ 1390262 h 2939143"/>
+              <a:gd name="connsiteX3" fmla="*/ 49804 w 385706"/>
+              <a:gd name="connsiteY3" fmla="*/ 671804 h 2939143"/>
+              <a:gd name="connsiteX4" fmla="*/ 357714 w 385706"/>
+              <a:gd name="connsiteY4" fmla="*/ 0 h 2939143"/>
+            </a:gdLst>
+            <a:ahLst/>
+            <a:cxnLst>
+              <a:cxn ang="0">
+                <a:pos x="connsiteX0" y="connsiteY0"/>
+              </a:cxn>
+              <a:cxn ang="0">
+                <a:pos x="connsiteX1" y="connsiteY1"/>
+              </a:cxn>
+              <a:cxn ang="0">
+                <a:pos x="connsiteX2" y="connsiteY2"/>
+              </a:cxn>
+              <a:cxn ang="0">
+                <a:pos x="connsiteX3" y="connsiteY3"/>
+              </a:cxn>
+              <a:cxn ang="0">
+                <a:pos x="connsiteX4" y="connsiteY4"/>
+              </a:cxn>
+            </a:cxnLst>
+            <a:rect l="l" t="t" r="r" b="b"/>
+            <a:pathLst>
+              <a:path w="385706" h="2939143">
+                <a:moveTo>
+                  <a:pt x="385706" y="2939143"/>
+                </a:moveTo>
+                <a:cubicBezTo>
+                  <a:pt x="263630" y="2736980"/>
+                  <a:pt x="141555" y="2534817"/>
+                  <a:pt x="77796" y="2276670"/>
+                </a:cubicBezTo>
+                <a:cubicBezTo>
+                  <a:pt x="14037" y="2018523"/>
+                  <a:pt x="7816" y="1657740"/>
+                  <a:pt x="3151" y="1390262"/>
+                </a:cubicBezTo>
+                <a:cubicBezTo>
+                  <a:pt x="-1514" y="1122784"/>
+                  <a:pt x="-9290" y="903514"/>
+                  <a:pt x="49804" y="671804"/>
+                </a:cubicBezTo>
+                <a:cubicBezTo>
+                  <a:pt x="108898" y="440094"/>
+                  <a:pt x="233306" y="220047"/>
+                  <a:pt x="357714" y="0"/>
+                </a:cubicBezTo>
+              </a:path>
+            </a:pathLst>
+          </a:custGeom>
+        </p:spPr>
+        <p:style>
+          <a:lnRef idx="3">
+            <a:schemeClr val="accent2"/>
+          </a:lnRef>
+          <a:fillRef idx="0">
+            <a:schemeClr val="accent2"/>
+          </a:fillRef>
+          <a:effectRef idx="2">
+            <a:schemeClr val="accent2"/>
+          </a:effectRef>
+          <a:fontRef idx="minor">
+            <a:schemeClr val="tx1"/>
+          </a:fontRef>
+        </p:style>
+        <p:txBody>
+          <a:bodyPr rtlCol="0" anchor="ctr"/>
+          <a:lstStyle/>
+          <a:p>
+            <a:pPr algn="ctr"/>
+            <a:endParaRPr lang="en-US"/>
+          </a:p>
+        </p:txBody>
+      </p:sp>
     </p:spTree>
     <p:extLst>
       <p:ext uri="{BB962C8B-B14F-4D97-AF65-F5344CB8AC3E}">
-        <p14:creationId xmlns:p14="http://schemas.microsoft.com/office/powerpoint/2010/main" val="489819152"/>
+        <p14:creationId xmlns:p14="http://schemas.microsoft.com/office/powerpoint/2010/main" val="2280347046"/>
       </p:ext>
     </p:extLst>
   </p:cSld>
